--- a/tutorials/pipelines/tut_a_st_bud/vector files/fig06.pptx
+++ b/tutorials/pipelines/tut_a_st_bud/vector files/fig06.pptx
@@ -2,7 +2,7 @@
 <file path=ppt/presentation.xml><?xml version="1.0" encoding="utf-8"?>
 <p:presentation xmlns:a="http://schemas.openxmlformats.org/drawingml/2006/main" xmlns:r="http://schemas.openxmlformats.org/officeDocument/2006/relationships" xmlns:p="http://schemas.openxmlformats.org/presentationml/2006/main" saveSubsetFonts="1">
   <p:sldMasterIdLst>
-    <p:sldMasterId id="2147483792" r:id="rId1"/>
+    <p:sldMasterId id="2147483804" r:id="rId1"/>
   </p:sldMasterIdLst>
   <p:notesMasterIdLst>
     <p:notesMasterId r:id="rId3"/>
@@ -10,7 +10,7 @@
   <p:sldIdLst>
     <p:sldId id="257" r:id="rId2"/>
   </p:sldIdLst>
-  <p:sldSz cx="13679488" cy="11520488"/>
+  <p:sldSz cx="12599988" cy="11520488"/>
   <p:notesSz cx="6858000" cy="9144000"/>
   <p:defaultTextStyle>
     <a:defPPr>
@@ -197,7 +197,7 @@
           <a:p>
             <a:fld id="{00908931-0033-4484-A0E5-3BAAC1BCE9A0}" type="datetimeFigureOut">
               <a:rPr lang="zh-CN" altLang="en-US" smtClean="0"/>
-              <a:t>2023/10/3</a:t>
+              <a:t>2023/10/4</a:t>
             </a:fld>
             <a:endParaRPr lang="zh-CN" altLang="en-US"/>
           </a:p>
@@ -215,8 +215,8 @@
         </p:nvSpPr>
         <p:spPr>
           <a:xfrm>
-            <a:off x="1597025" y="1143000"/>
-            <a:ext cx="3663950" cy="3086100"/>
+            <a:off x="1741488" y="1143000"/>
+            <a:ext cx="3375025" cy="3086100"/>
           </a:xfrm>
           <a:prstGeom prst="rect">
             <a:avLst/>
@@ -493,8 +493,8 @@
         </p:nvSpPr>
         <p:spPr>
           <a:xfrm>
-            <a:off x="1597025" y="1143000"/>
-            <a:ext cx="3663950" cy="3086100"/>
+            <a:off x="1741488" y="1143000"/>
+            <a:ext cx="3375025" cy="3086100"/>
           </a:xfrm>
         </p:spPr>
       </p:sp>
@@ -582,15 +582,15 @@
         </p:nvSpPr>
         <p:spPr>
           <a:xfrm>
-            <a:off x="1025962" y="1885414"/>
-            <a:ext cx="11627565" cy="4010837"/>
+            <a:off x="944999" y="1885414"/>
+            <a:ext cx="10709990" cy="4010837"/>
           </a:xfrm>
         </p:spPr>
         <p:txBody>
           <a:bodyPr anchor="b"/>
           <a:lstStyle>
             <a:lvl1pPr algn="ctr">
-              <a:defRPr sz="8976"/>
+              <a:defRPr sz="8268"/>
             </a:lvl1pPr>
           </a:lstStyle>
           <a:p>
@@ -614,8 +614,8 @@
         </p:nvSpPr>
         <p:spPr>
           <a:xfrm>
-            <a:off x="1709936" y="6050924"/>
-            <a:ext cx="10259616" cy="2781450"/>
+            <a:off x="1574999" y="6050924"/>
+            <a:ext cx="9449991" cy="2781450"/>
           </a:xfrm>
         </p:spPr>
         <p:txBody>
@@ -623,39 +623,39 @@
           <a:lstStyle>
             <a:lvl1pPr marL="0" indent="0" algn="ctr">
               <a:buNone/>
-              <a:defRPr sz="3590"/>
+              <a:defRPr sz="3307"/>
             </a:lvl1pPr>
-            <a:lvl2pPr marL="683971" indent="0" algn="ctr">
-              <a:buNone/>
-              <a:defRPr sz="2992"/>
+            <a:lvl2pPr marL="630022" indent="0" algn="ctr">
+              <a:buNone/>
+              <a:defRPr sz="2756"/>
             </a:lvl2pPr>
-            <a:lvl3pPr marL="1367942" indent="0" algn="ctr">
-              <a:buNone/>
-              <a:defRPr sz="2693"/>
+            <a:lvl3pPr marL="1260043" indent="0" algn="ctr">
+              <a:buNone/>
+              <a:defRPr sz="2480"/>
             </a:lvl3pPr>
-            <a:lvl4pPr marL="2051914" indent="0" algn="ctr">
-              <a:buNone/>
-              <a:defRPr sz="2394"/>
+            <a:lvl4pPr marL="1890065" indent="0" algn="ctr">
+              <a:buNone/>
+              <a:defRPr sz="2205"/>
             </a:lvl4pPr>
-            <a:lvl5pPr marL="2735885" indent="0" algn="ctr">
-              <a:buNone/>
-              <a:defRPr sz="2394"/>
+            <a:lvl5pPr marL="2520086" indent="0" algn="ctr">
+              <a:buNone/>
+              <a:defRPr sz="2205"/>
             </a:lvl5pPr>
-            <a:lvl6pPr marL="3419856" indent="0" algn="ctr">
-              <a:buNone/>
-              <a:defRPr sz="2394"/>
+            <a:lvl6pPr marL="3150108" indent="0" algn="ctr">
+              <a:buNone/>
+              <a:defRPr sz="2205"/>
             </a:lvl6pPr>
-            <a:lvl7pPr marL="4103827" indent="0" algn="ctr">
-              <a:buNone/>
-              <a:defRPr sz="2394"/>
+            <a:lvl7pPr marL="3780130" indent="0" algn="ctr">
+              <a:buNone/>
+              <a:defRPr sz="2205"/>
             </a:lvl7pPr>
-            <a:lvl8pPr marL="4787798" indent="0" algn="ctr">
-              <a:buNone/>
-              <a:defRPr sz="2394"/>
+            <a:lvl8pPr marL="4410151" indent="0" algn="ctr">
+              <a:buNone/>
+              <a:defRPr sz="2205"/>
             </a:lvl8pPr>
-            <a:lvl9pPr marL="5471770" indent="0" algn="ctr">
-              <a:buNone/>
-              <a:defRPr sz="2394"/>
+            <a:lvl9pPr marL="5040173" indent="0" algn="ctr">
+              <a:buNone/>
+              <a:defRPr sz="2205"/>
             </a:lvl9pPr>
           </a:lstStyle>
           <a:p>
@@ -684,7 +684,7 @@
           <a:p>
             <a:fld id="{CA1BB51F-BFC6-4DD3-8C2A-5B21FD6F69C3}" type="datetimeFigureOut">
               <a:rPr lang="en-SE" smtClean="0"/>
-              <a:t>10/03/2023</a:t>
+              <a:t>10/04/2023</a:t>
             </a:fld>
             <a:endParaRPr lang="en-SE"/>
           </a:p>
@@ -735,7 +735,7 @@
     </p:spTree>
     <p:extLst>
       <p:ext uri="{BB962C8B-B14F-4D97-AF65-F5344CB8AC3E}">
-        <p14:creationId xmlns:p14="http://schemas.microsoft.com/office/powerpoint/2010/main" val="3337411935"/>
+        <p14:creationId xmlns:p14="http://schemas.microsoft.com/office/powerpoint/2010/main" val="669465653"/>
       </p:ext>
     </p:extLst>
   </p:cSld>
@@ -854,7 +854,7 @@
           <a:p>
             <a:fld id="{CA1BB51F-BFC6-4DD3-8C2A-5B21FD6F69C3}" type="datetimeFigureOut">
               <a:rPr lang="en-SE" smtClean="0"/>
-              <a:t>10/03/2023</a:t>
+              <a:t>10/04/2023</a:t>
             </a:fld>
             <a:endParaRPr lang="en-SE"/>
           </a:p>
@@ -905,7 +905,7 @@
     </p:spTree>
     <p:extLst>
       <p:ext uri="{BB962C8B-B14F-4D97-AF65-F5344CB8AC3E}">
-        <p14:creationId xmlns:p14="http://schemas.microsoft.com/office/powerpoint/2010/main" val="1874791061"/>
+        <p14:creationId xmlns:p14="http://schemas.microsoft.com/office/powerpoint/2010/main" val="342853492"/>
       </p:ext>
     </p:extLst>
   </p:cSld>
@@ -944,8 +944,8 @@
         </p:nvSpPr>
         <p:spPr>
           <a:xfrm>
-            <a:off x="9789384" y="613359"/>
-            <a:ext cx="2949640" cy="9763081"/>
+            <a:off x="9016867" y="613359"/>
+            <a:ext cx="2716872" cy="9763081"/>
           </a:xfrm>
         </p:spPr>
         <p:txBody>
@@ -972,8 +972,8 @@
         </p:nvSpPr>
         <p:spPr>
           <a:xfrm>
-            <a:off x="940466" y="613359"/>
-            <a:ext cx="8677925" cy="9763081"/>
+            <a:off x="866250" y="613359"/>
+            <a:ext cx="7993117" cy="9763081"/>
           </a:xfrm>
         </p:spPr>
         <p:txBody>
@@ -1034,7 +1034,7 @@
           <a:p>
             <a:fld id="{CA1BB51F-BFC6-4DD3-8C2A-5B21FD6F69C3}" type="datetimeFigureOut">
               <a:rPr lang="en-SE" smtClean="0"/>
-              <a:t>10/03/2023</a:t>
+              <a:t>10/04/2023</a:t>
             </a:fld>
             <a:endParaRPr lang="en-SE"/>
           </a:p>
@@ -1085,7 +1085,7 @@
     </p:spTree>
     <p:extLst>
       <p:ext uri="{BB962C8B-B14F-4D97-AF65-F5344CB8AC3E}">
-        <p14:creationId xmlns:p14="http://schemas.microsoft.com/office/powerpoint/2010/main" val="2507745738"/>
+        <p14:creationId xmlns:p14="http://schemas.microsoft.com/office/powerpoint/2010/main" val="200352987"/>
       </p:ext>
     </p:extLst>
   </p:cSld>
@@ -1204,7 +1204,7 @@
           <a:p>
             <a:fld id="{CA1BB51F-BFC6-4DD3-8C2A-5B21FD6F69C3}" type="datetimeFigureOut">
               <a:rPr lang="en-SE" smtClean="0"/>
-              <a:t>10/03/2023</a:t>
+              <a:t>10/04/2023</a:t>
             </a:fld>
             <a:endParaRPr lang="en-SE"/>
           </a:p>
@@ -1255,7 +1255,7 @@
     </p:spTree>
     <p:extLst>
       <p:ext uri="{BB962C8B-B14F-4D97-AF65-F5344CB8AC3E}">
-        <p14:creationId xmlns:p14="http://schemas.microsoft.com/office/powerpoint/2010/main" val="3011743542"/>
+        <p14:creationId xmlns:p14="http://schemas.microsoft.com/office/powerpoint/2010/main" val="1163124712"/>
       </p:ext>
     </p:extLst>
   </p:cSld>
@@ -1294,15 +1294,15 @@
         </p:nvSpPr>
         <p:spPr>
           <a:xfrm>
-            <a:off x="933341" y="2872125"/>
-            <a:ext cx="11798558" cy="4792202"/>
+            <a:off x="859687" y="2872125"/>
+            <a:ext cx="10867490" cy="4792202"/>
           </a:xfrm>
         </p:spPr>
         <p:txBody>
           <a:bodyPr anchor="b"/>
           <a:lstStyle>
             <a:lvl1pPr>
-              <a:defRPr sz="8976"/>
+              <a:defRPr sz="8268"/>
             </a:lvl1pPr>
           </a:lstStyle>
           <a:p>
@@ -1326,8 +1326,8 @@
         </p:nvSpPr>
         <p:spPr>
           <a:xfrm>
-            <a:off x="933341" y="7709663"/>
-            <a:ext cx="11798558" cy="2520106"/>
+            <a:off x="859687" y="7709663"/>
+            <a:ext cx="10867490" cy="2520106"/>
           </a:xfrm>
         </p:spPr>
         <p:txBody>
@@ -1335,15 +1335,15 @@
           <a:lstStyle>
             <a:lvl1pPr marL="0" indent="0">
               <a:buNone/>
-              <a:defRPr sz="3590">
+              <a:defRPr sz="3307">
                 <a:solidFill>
                   <a:schemeClr val="tx1"/>
                 </a:solidFill>
               </a:defRPr>
             </a:lvl1pPr>
-            <a:lvl2pPr marL="683971" indent="0">
-              <a:buNone/>
-              <a:defRPr sz="2992">
+            <a:lvl2pPr marL="630022" indent="0">
+              <a:buNone/>
+              <a:defRPr sz="2756">
                 <a:solidFill>
                   <a:schemeClr val="tx1">
                     <a:tint val="75000"/>
@@ -1351,9 +1351,9 @@
                 </a:solidFill>
               </a:defRPr>
             </a:lvl2pPr>
-            <a:lvl3pPr marL="1367942" indent="0">
-              <a:buNone/>
-              <a:defRPr sz="2693">
+            <a:lvl3pPr marL="1260043" indent="0">
+              <a:buNone/>
+              <a:defRPr sz="2480">
                 <a:solidFill>
                   <a:schemeClr val="tx1">
                     <a:tint val="75000"/>
@@ -1361,9 +1361,9 @@
                 </a:solidFill>
               </a:defRPr>
             </a:lvl3pPr>
-            <a:lvl4pPr marL="2051914" indent="0">
-              <a:buNone/>
-              <a:defRPr sz="2394">
+            <a:lvl4pPr marL="1890065" indent="0">
+              <a:buNone/>
+              <a:defRPr sz="2205">
                 <a:solidFill>
                   <a:schemeClr val="tx1">
                     <a:tint val="75000"/>
@@ -1371,9 +1371,9 @@
                 </a:solidFill>
               </a:defRPr>
             </a:lvl4pPr>
-            <a:lvl5pPr marL="2735885" indent="0">
-              <a:buNone/>
-              <a:defRPr sz="2394">
+            <a:lvl5pPr marL="2520086" indent="0">
+              <a:buNone/>
+              <a:defRPr sz="2205">
                 <a:solidFill>
                   <a:schemeClr val="tx1">
                     <a:tint val="75000"/>
@@ -1381,9 +1381,9 @@
                 </a:solidFill>
               </a:defRPr>
             </a:lvl5pPr>
-            <a:lvl6pPr marL="3419856" indent="0">
-              <a:buNone/>
-              <a:defRPr sz="2394">
+            <a:lvl6pPr marL="3150108" indent="0">
+              <a:buNone/>
+              <a:defRPr sz="2205">
                 <a:solidFill>
                   <a:schemeClr val="tx1">
                     <a:tint val="75000"/>
@@ -1391,9 +1391,9 @@
                 </a:solidFill>
               </a:defRPr>
             </a:lvl6pPr>
-            <a:lvl7pPr marL="4103827" indent="0">
-              <a:buNone/>
-              <a:defRPr sz="2394">
+            <a:lvl7pPr marL="3780130" indent="0">
+              <a:buNone/>
+              <a:defRPr sz="2205">
                 <a:solidFill>
                   <a:schemeClr val="tx1">
                     <a:tint val="75000"/>
@@ -1401,9 +1401,9 @@
                 </a:solidFill>
               </a:defRPr>
             </a:lvl7pPr>
-            <a:lvl8pPr marL="4787798" indent="0">
-              <a:buNone/>
-              <a:defRPr sz="2394">
+            <a:lvl8pPr marL="4410151" indent="0">
+              <a:buNone/>
+              <a:defRPr sz="2205">
                 <a:solidFill>
                   <a:schemeClr val="tx1">
                     <a:tint val="75000"/>
@@ -1411,9 +1411,9 @@
                 </a:solidFill>
               </a:defRPr>
             </a:lvl8pPr>
-            <a:lvl9pPr marL="5471770" indent="0">
-              <a:buNone/>
-              <a:defRPr sz="2394">
+            <a:lvl9pPr marL="5040173" indent="0">
+              <a:buNone/>
+              <a:defRPr sz="2205">
                 <a:solidFill>
                   <a:schemeClr val="tx1">
                     <a:tint val="75000"/>
@@ -1448,7 +1448,7 @@
           <a:p>
             <a:fld id="{CA1BB51F-BFC6-4DD3-8C2A-5B21FD6F69C3}" type="datetimeFigureOut">
               <a:rPr lang="en-SE" smtClean="0"/>
-              <a:t>10/03/2023</a:t>
+              <a:t>10/04/2023</a:t>
             </a:fld>
             <a:endParaRPr lang="en-SE"/>
           </a:p>
@@ -1499,7 +1499,7 @@
     </p:spTree>
     <p:extLst>
       <p:ext uri="{BB962C8B-B14F-4D97-AF65-F5344CB8AC3E}">
-        <p14:creationId xmlns:p14="http://schemas.microsoft.com/office/powerpoint/2010/main" val="2026904141"/>
+        <p14:creationId xmlns:p14="http://schemas.microsoft.com/office/powerpoint/2010/main" val="3864325358"/>
       </p:ext>
     </p:extLst>
   </p:cSld>
@@ -1561,8 +1561,8 @@
         </p:nvSpPr>
         <p:spPr>
           <a:xfrm>
-            <a:off x="940465" y="3066796"/>
-            <a:ext cx="5813782" cy="7309644"/>
+            <a:off x="866249" y="3066796"/>
+            <a:ext cx="5354995" cy="7309644"/>
           </a:xfrm>
         </p:spPr>
         <p:txBody>
@@ -1618,8 +1618,8 @@
         </p:nvSpPr>
         <p:spPr>
           <a:xfrm>
-            <a:off x="6925241" y="3066796"/>
-            <a:ext cx="5813782" cy="7309644"/>
+            <a:off x="6378744" y="3066796"/>
+            <a:ext cx="5354995" cy="7309644"/>
           </a:xfrm>
         </p:spPr>
         <p:txBody>
@@ -1680,7 +1680,7 @@
           <a:p>
             <a:fld id="{CA1BB51F-BFC6-4DD3-8C2A-5B21FD6F69C3}" type="datetimeFigureOut">
               <a:rPr lang="en-SE" smtClean="0"/>
-              <a:t>10/03/2023</a:t>
+              <a:t>10/04/2023</a:t>
             </a:fld>
             <a:endParaRPr lang="en-SE"/>
           </a:p>
@@ -1731,7 +1731,7 @@
     </p:spTree>
     <p:extLst>
       <p:ext uri="{BB962C8B-B14F-4D97-AF65-F5344CB8AC3E}">
-        <p14:creationId xmlns:p14="http://schemas.microsoft.com/office/powerpoint/2010/main" val="1547119675"/>
+        <p14:creationId xmlns:p14="http://schemas.microsoft.com/office/powerpoint/2010/main" val="2727939842"/>
       </p:ext>
     </p:extLst>
   </p:cSld>
@@ -1770,8 +1770,8 @@
         </p:nvSpPr>
         <p:spPr>
           <a:xfrm>
-            <a:off x="942247" y="613362"/>
-            <a:ext cx="11798558" cy="2226762"/>
+            <a:off x="867890" y="613362"/>
+            <a:ext cx="10867490" cy="2226762"/>
           </a:xfrm>
         </p:spPr>
         <p:txBody>
@@ -1798,8 +1798,8 @@
         </p:nvSpPr>
         <p:spPr>
           <a:xfrm>
-            <a:off x="942248" y="2824120"/>
-            <a:ext cx="5787064" cy="1384058"/>
+            <a:off x="867892" y="2824120"/>
+            <a:ext cx="5330385" cy="1384058"/>
           </a:xfrm>
         </p:spPr>
         <p:txBody>
@@ -1807,39 +1807,39 @@
           <a:lstStyle>
             <a:lvl1pPr marL="0" indent="0">
               <a:buNone/>
-              <a:defRPr sz="3590" b="1"/>
+              <a:defRPr sz="3307" b="1"/>
             </a:lvl1pPr>
-            <a:lvl2pPr marL="683971" indent="0">
-              <a:buNone/>
-              <a:defRPr sz="2992" b="1"/>
+            <a:lvl2pPr marL="630022" indent="0">
+              <a:buNone/>
+              <a:defRPr sz="2756" b="1"/>
             </a:lvl2pPr>
-            <a:lvl3pPr marL="1367942" indent="0">
-              <a:buNone/>
-              <a:defRPr sz="2693" b="1"/>
+            <a:lvl3pPr marL="1260043" indent="0">
+              <a:buNone/>
+              <a:defRPr sz="2480" b="1"/>
             </a:lvl3pPr>
-            <a:lvl4pPr marL="2051914" indent="0">
-              <a:buNone/>
-              <a:defRPr sz="2394" b="1"/>
+            <a:lvl4pPr marL="1890065" indent="0">
+              <a:buNone/>
+              <a:defRPr sz="2205" b="1"/>
             </a:lvl4pPr>
-            <a:lvl5pPr marL="2735885" indent="0">
-              <a:buNone/>
-              <a:defRPr sz="2394" b="1"/>
+            <a:lvl5pPr marL="2520086" indent="0">
+              <a:buNone/>
+              <a:defRPr sz="2205" b="1"/>
             </a:lvl5pPr>
-            <a:lvl6pPr marL="3419856" indent="0">
-              <a:buNone/>
-              <a:defRPr sz="2394" b="1"/>
+            <a:lvl6pPr marL="3150108" indent="0">
+              <a:buNone/>
+              <a:defRPr sz="2205" b="1"/>
             </a:lvl6pPr>
-            <a:lvl7pPr marL="4103827" indent="0">
-              <a:buNone/>
-              <a:defRPr sz="2394" b="1"/>
+            <a:lvl7pPr marL="3780130" indent="0">
+              <a:buNone/>
+              <a:defRPr sz="2205" b="1"/>
             </a:lvl7pPr>
-            <a:lvl8pPr marL="4787798" indent="0">
-              <a:buNone/>
-              <a:defRPr sz="2394" b="1"/>
+            <a:lvl8pPr marL="4410151" indent="0">
+              <a:buNone/>
+              <a:defRPr sz="2205" b="1"/>
             </a:lvl8pPr>
-            <a:lvl9pPr marL="5471770" indent="0">
-              <a:buNone/>
-              <a:defRPr sz="2394" b="1"/>
+            <a:lvl9pPr marL="5040173" indent="0">
+              <a:buNone/>
+              <a:defRPr sz="2205" b="1"/>
             </a:lvl9pPr>
           </a:lstStyle>
           <a:p>
@@ -1863,8 +1863,8 @@
         </p:nvSpPr>
         <p:spPr>
           <a:xfrm>
-            <a:off x="942248" y="4208178"/>
-            <a:ext cx="5787064" cy="6189596"/>
+            <a:off x="867892" y="4208178"/>
+            <a:ext cx="5330385" cy="6189596"/>
           </a:xfrm>
         </p:spPr>
         <p:txBody>
@@ -1920,8 +1920,8 @@
         </p:nvSpPr>
         <p:spPr>
           <a:xfrm>
-            <a:off x="6925242" y="2824120"/>
-            <a:ext cx="5815564" cy="1384058"/>
+            <a:off x="6378745" y="2824120"/>
+            <a:ext cx="5356636" cy="1384058"/>
           </a:xfrm>
         </p:spPr>
         <p:txBody>
@@ -1929,39 +1929,39 @@
           <a:lstStyle>
             <a:lvl1pPr marL="0" indent="0">
               <a:buNone/>
-              <a:defRPr sz="3590" b="1"/>
+              <a:defRPr sz="3307" b="1"/>
             </a:lvl1pPr>
-            <a:lvl2pPr marL="683971" indent="0">
-              <a:buNone/>
-              <a:defRPr sz="2992" b="1"/>
+            <a:lvl2pPr marL="630022" indent="0">
+              <a:buNone/>
+              <a:defRPr sz="2756" b="1"/>
             </a:lvl2pPr>
-            <a:lvl3pPr marL="1367942" indent="0">
-              <a:buNone/>
-              <a:defRPr sz="2693" b="1"/>
+            <a:lvl3pPr marL="1260043" indent="0">
+              <a:buNone/>
+              <a:defRPr sz="2480" b="1"/>
             </a:lvl3pPr>
-            <a:lvl4pPr marL="2051914" indent="0">
-              <a:buNone/>
-              <a:defRPr sz="2394" b="1"/>
+            <a:lvl4pPr marL="1890065" indent="0">
+              <a:buNone/>
+              <a:defRPr sz="2205" b="1"/>
             </a:lvl4pPr>
-            <a:lvl5pPr marL="2735885" indent="0">
-              <a:buNone/>
-              <a:defRPr sz="2394" b="1"/>
+            <a:lvl5pPr marL="2520086" indent="0">
+              <a:buNone/>
+              <a:defRPr sz="2205" b="1"/>
             </a:lvl5pPr>
-            <a:lvl6pPr marL="3419856" indent="0">
-              <a:buNone/>
-              <a:defRPr sz="2394" b="1"/>
+            <a:lvl6pPr marL="3150108" indent="0">
+              <a:buNone/>
+              <a:defRPr sz="2205" b="1"/>
             </a:lvl6pPr>
-            <a:lvl7pPr marL="4103827" indent="0">
-              <a:buNone/>
-              <a:defRPr sz="2394" b="1"/>
+            <a:lvl7pPr marL="3780130" indent="0">
+              <a:buNone/>
+              <a:defRPr sz="2205" b="1"/>
             </a:lvl7pPr>
-            <a:lvl8pPr marL="4787798" indent="0">
-              <a:buNone/>
-              <a:defRPr sz="2394" b="1"/>
+            <a:lvl8pPr marL="4410151" indent="0">
+              <a:buNone/>
+              <a:defRPr sz="2205" b="1"/>
             </a:lvl8pPr>
-            <a:lvl9pPr marL="5471770" indent="0">
-              <a:buNone/>
-              <a:defRPr sz="2394" b="1"/>
+            <a:lvl9pPr marL="5040173" indent="0">
+              <a:buNone/>
+              <a:defRPr sz="2205" b="1"/>
             </a:lvl9pPr>
           </a:lstStyle>
           <a:p>
@@ -1985,8 +1985,8 @@
         </p:nvSpPr>
         <p:spPr>
           <a:xfrm>
-            <a:off x="6925242" y="4208178"/>
-            <a:ext cx="5815564" cy="6189596"/>
+            <a:off x="6378745" y="4208178"/>
+            <a:ext cx="5356636" cy="6189596"/>
           </a:xfrm>
         </p:spPr>
         <p:txBody>
@@ -2047,7 +2047,7 @@
           <a:p>
             <a:fld id="{CA1BB51F-BFC6-4DD3-8C2A-5B21FD6F69C3}" type="datetimeFigureOut">
               <a:rPr lang="en-SE" smtClean="0"/>
-              <a:t>10/03/2023</a:t>
+              <a:t>10/04/2023</a:t>
             </a:fld>
             <a:endParaRPr lang="en-SE"/>
           </a:p>
@@ -2098,7 +2098,7 @@
     </p:spTree>
     <p:extLst>
       <p:ext uri="{BB962C8B-B14F-4D97-AF65-F5344CB8AC3E}">
-        <p14:creationId xmlns:p14="http://schemas.microsoft.com/office/powerpoint/2010/main" val="1480037871"/>
+        <p14:creationId xmlns:p14="http://schemas.microsoft.com/office/powerpoint/2010/main" val="1296800776"/>
       </p:ext>
     </p:extLst>
   </p:cSld>
@@ -2165,7 +2165,7 @@
           <a:p>
             <a:fld id="{CA1BB51F-BFC6-4DD3-8C2A-5B21FD6F69C3}" type="datetimeFigureOut">
               <a:rPr lang="en-SE" smtClean="0"/>
-              <a:t>10/03/2023</a:t>
+              <a:t>10/04/2023</a:t>
             </a:fld>
             <a:endParaRPr lang="en-SE"/>
           </a:p>
@@ -2216,7 +2216,7 @@
     </p:spTree>
     <p:extLst>
       <p:ext uri="{BB962C8B-B14F-4D97-AF65-F5344CB8AC3E}">
-        <p14:creationId xmlns:p14="http://schemas.microsoft.com/office/powerpoint/2010/main" val="862868019"/>
+        <p14:creationId xmlns:p14="http://schemas.microsoft.com/office/powerpoint/2010/main" val="3045066619"/>
       </p:ext>
     </p:extLst>
   </p:cSld>
@@ -2260,7 +2260,7 @@
           <a:p>
             <a:fld id="{CA1BB51F-BFC6-4DD3-8C2A-5B21FD6F69C3}" type="datetimeFigureOut">
               <a:rPr lang="en-SE" smtClean="0"/>
-              <a:t>10/03/2023</a:t>
+              <a:t>10/04/2023</a:t>
             </a:fld>
             <a:endParaRPr lang="en-SE"/>
           </a:p>
@@ -2311,7 +2311,7 @@
     </p:spTree>
     <p:extLst>
       <p:ext uri="{BB962C8B-B14F-4D97-AF65-F5344CB8AC3E}">
-        <p14:creationId xmlns:p14="http://schemas.microsoft.com/office/powerpoint/2010/main" val="2010113582"/>
+        <p14:creationId xmlns:p14="http://schemas.microsoft.com/office/powerpoint/2010/main" val="1796602714"/>
       </p:ext>
     </p:extLst>
   </p:cSld>
@@ -2350,15 +2350,15 @@
         </p:nvSpPr>
         <p:spPr>
           <a:xfrm>
-            <a:off x="942247" y="768032"/>
-            <a:ext cx="4411991" cy="2688114"/>
+            <a:off x="867890" y="768032"/>
+            <a:ext cx="4063824" cy="2688114"/>
           </a:xfrm>
         </p:spPr>
         <p:txBody>
           <a:bodyPr anchor="b"/>
           <a:lstStyle>
             <a:lvl1pPr>
-              <a:defRPr sz="4787"/>
+              <a:defRPr sz="4410"/>
             </a:lvl1pPr>
           </a:lstStyle>
           <a:p>
@@ -2382,39 +2382,39 @@
         </p:nvSpPr>
         <p:spPr>
           <a:xfrm>
-            <a:off x="5815564" y="1658740"/>
-            <a:ext cx="6925241" cy="8187013"/>
+            <a:off x="5356636" y="1658740"/>
+            <a:ext cx="6378744" cy="8187013"/>
           </a:xfrm>
         </p:spPr>
         <p:txBody>
           <a:bodyPr/>
           <a:lstStyle>
             <a:lvl1pPr>
-              <a:defRPr sz="4787"/>
+              <a:defRPr sz="4410"/>
             </a:lvl1pPr>
             <a:lvl2pPr>
-              <a:defRPr sz="4189"/>
+              <a:defRPr sz="3858"/>
             </a:lvl2pPr>
             <a:lvl3pPr>
-              <a:defRPr sz="3590"/>
+              <a:defRPr sz="3307"/>
             </a:lvl3pPr>
             <a:lvl4pPr>
-              <a:defRPr sz="2992"/>
+              <a:defRPr sz="2756"/>
             </a:lvl4pPr>
             <a:lvl5pPr>
-              <a:defRPr sz="2992"/>
+              <a:defRPr sz="2756"/>
             </a:lvl5pPr>
             <a:lvl6pPr>
-              <a:defRPr sz="2992"/>
+              <a:defRPr sz="2756"/>
             </a:lvl6pPr>
             <a:lvl7pPr>
-              <a:defRPr sz="2992"/>
+              <a:defRPr sz="2756"/>
             </a:lvl7pPr>
             <a:lvl8pPr>
-              <a:defRPr sz="2992"/>
+              <a:defRPr sz="2756"/>
             </a:lvl8pPr>
             <a:lvl9pPr>
-              <a:defRPr sz="2992"/>
+              <a:defRPr sz="2756"/>
             </a:lvl9pPr>
           </a:lstStyle>
           <a:p>
@@ -2467,8 +2467,8 @@
         </p:nvSpPr>
         <p:spPr>
           <a:xfrm>
-            <a:off x="942247" y="3456146"/>
-            <a:ext cx="4411991" cy="6402939"/>
+            <a:off x="867890" y="3456146"/>
+            <a:ext cx="4063824" cy="6402939"/>
           </a:xfrm>
         </p:spPr>
         <p:txBody>
@@ -2476,39 +2476,39 @@
           <a:lstStyle>
             <a:lvl1pPr marL="0" indent="0">
               <a:buNone/>
-              <a:defRPr sz="2394"/>
+              <a:defRPr sz="2205"/>
             </a:lvl1pPr>
-            <a:lvl2pPr marL="683971" indent="0">
-              <a:buNone/>
-              <a:defRPr sz="2094"/>
+            <a:lvl2pPr marL="630022" indent="0">
+              <a:buNone/>
+              <a:defRPr sz="1929"/>
             </a:lvl2pPr>
-            <a:lvl3pPr marL="1367942" indent="0">
-              <a:buNone/>
-              <a:defRPr sz="1795"/>
+            <a:lvl3pPr marL="1260043" indent="0">
+              <a:buNone/>
+              <a:defRPr sz="1654"/>
             </a:lvl3pPr>
-            <a:lvl4pPr marL="2051914" indent="0">
-              <a:buNone/>
-              <a:defRPr sz="1496"/>
+            <a:lvl4pPr marL="1890065" indent="0">
+              <a:buNone/>
+              <a:defRPr sz="1378"/>
             </a:lvl4pPr>
-            <a:lvl5pPr marL="2735885" indent="0">
-              <a:buNone/>
-              <a:defRPr sz="1496"/>
+            <a:lvl5pPr marL="2520086" indent="0">
+              <a:buNone/>
+              <a:defRPr sz="1378"/>
             </a:lvl5pPr>
-            <a:lvl6pPr marL="3419856" indent="0">
-              <a:buNone/>
-              <a:defRPr sz="1496"/>
+            <a:lvl6pPr marL="3150108" indent="0">
+              <a:buNone/>
+              <a:defRPr sz="1378"/>
             </a:lvl6pPr>
-            <a:lvl7pPr marL="4103827" indent="0">
-              <a:buNone/>
-              <a:defRPr sz="1496"/>
+            <a:lvl7pPr marL="3780130" indent="0">
+              <a:buNone/>
+              <a:defRPr sz="1378"/>
             </a:lvl7pPr>
-            <a:lvl8pPr marL="4787798" indent="0">
-              <a:buNone/>
-              <a:defRPr sz="1496"/>
+            <a:lvl8pPr marL="4410151" indent="0">
+              <a:buNone/>
+              <a:defRPr sz="1378"/>
             </a:lvl8pPr>
-            <a:lvl9pPr marL="5471770" indent="0">
-              <a:buNone/>
-              <a:defRPr sz="1496"/>
+            <a:lvl9pPr marL="5040173" indent="0">
+              <a:buNone/>
+              <a:defRPr sz="1378"/>
             </a:lvl9pPr>
           </a:lstStyle>
           <a:p>
@@ -2537,7 +2537,7 @@
           <a:p>
             <a:fld id="{CA1BB51F-BFC6-4DD3-8C2A-5B21FD6F69C3}" type="datetimeFigureOut">
               <a:rPr lang="en-SE" smtClean="0"/>
-              <a:t>10/03/2023</a:t>
+              <a:t>10/04/2023</a:t>
             </a:fld>
             <a:endParaRPr lang="en-SE"/>
           </a:p>
@@ -2588,7 +2588,7 @@
     </p:spTree>
     <p:extLst>
       <p:ext uri="{BB962C8B-B14F-4D97-AF65-F5344CB8AC3E}">
-        <p14:creationId xmlns:p14="http://schemas.microsoft.com/office/powerpoint/2010/main" val="1576558533"/>
+        <p14:creationId xmlns:p14="http://schemas.microsoft.com/office/powerpoint/2010/main" val="936623140"/>
       </p:ext>
     </p:extLst>
   </p:cSld>
@@ -2627,15 +2627,15 @@
         </p:nvSpPr>
         <p:spPr>
           <a:xfrm>
-            <a:off x="942247" y="768032"/>
-            <a:ext cx="4411991" cy="2688114"/>
+            <a:off x="867890" y="768032"/>
+            <a:ext cx="4063824" cy="2688114"/>
           </a:xfrm>
         </p:spPr>
         <p:txBody>
           <a:bodyPr anchor="b"/>
           <a:lstStyle>
             <a:lvl1pPr>
-              <a:defRPr sz="4787"/>
+              <a:defRPr sz="4410"/>
             </a:lvl1pPr>
           </a:lstStyle>
           <a:p>
@@ -2659,8 +2659,8 @@
         </p:nvSpPr>
         <p:spPr>
           <a:xfrm>
-            <a:off x="5815564" y="1658740"/>
-            <a:ext cx="6925241" cy="8187013"/>
+            <a:off x="5356636" y="1658740"/>
+            <a:ext cx="6378744" cy="8187013"/>
           </a:xfrm>
         </p:spPr>
         <p:txBody>
@@ -2668,39 +2668,39 @@
           <a:lstStyle>
             <a:lvl1pPr marL="0" indent="0">
               <a:buNone/>
-              <a:defRPr sz="4787"/>
+              <a:defRPr sz="4410"/>
             </a:lvl1pPr>
-            <a:lvl2pPr marL="683971" indent="0">
-              <a:buNone/>
-              <a:defRPr sz="4189"/>
+            <a:lvl2pPr marL="630022" indent="0">
+              <a:buNone/>
+              <a:defRPr sz="3858"/>
             </a:lvl2pPr>
-            <a:lvl3pPr marL="1367942" indent="0">
-              <a:buNone/>
-              <a:defRPr sz="3590"/>
+            <a:lvl3pPr marL="1260043" indent="0">
+              <a:buNone/>
+              <a:defRPr sz="3307"/>
             </a:lvl3pPr>
-            <a:lvl4pPr marL="2051914" indent="0">
-              <a:buNone/>
-              <a:defRPr sz="2992"/>
+            <a:lvl4pPr marL="1890065" indent="0">
+              <a:buNone/>
+              <a:defRPr sz="2756"/>
             </a:lvl4pPr>
-            <a:lvl5pPr marL="2735885" indent="0">
-              <a:buNone/>
-              <a:defRPr sz="2992"/>
+            <a:lvl5pPr marL="2520086" indent="0">
+              <a:buNone/>
+              <a:defRPr sz="2756"/>
             </a:lvl5pPr>
-            <a:lvl6pPr marL="3419856" indent="0">
-              <a:buNone/>
-              <a:defRPr sz="2992"/>
+            <a:lvl6pPr marL="3150108" indent="0">
+              <a:buNone/>
+              <a:defRPr sz="2756"/>
             </a:lvl6pPr>
-            <a:lvl7pPr marL="4103827" indent="0">
-              <a:buNone/>
-              <a:defRPr sz="2992"/>
+            <a:lvl7pPr marL="3780130" indent="0">
+              <a:buNone/>
+              <a:defRPr sz="2756"/>
             </a:lvl7pPr>
-            <a:lvl8pPr marL="4787798" indent="0">
-              <a:buNone/>
-              <a:defRPr sz="2992"/>
+            <a:lvl8pPr marL="4410151" indent="0">
+              <a:buNone/>
+              <a:defRPr sz="2756"/>
             </a:lvl8pPr>
-            <a:lvl9pPr marL="5471770" indent="0">
-              <a:buNone/>
-              <a:defRPr sz="2992"/>
+            <a:lvl9pPr marL="5040173" indent="0">
+              <a:buNone/>
+              <a:defRPr sz="2756"/>
             </a:lvl9pPr>
           </a:lstStyle>
           <a:p>
@@ -2724,8 +2724,8 @@
         </p:nvSpPr>
         <p:spPr>
           <a:xfrm>
-            <a:off x="942247" y="3456146"/>
-            <a:ext cx="4411991" cy="6402939"/>
+            <a:off x="867890" y="3456146"/>
+            <a:ext cx="4063824" cy="6402939"/>
           </a:xfrm>
         </p:spPr>
         <p:txBody>
@@ -2733,39 +2733,39 @@
           <a:lstStyle>
             <a:lvl1pPr marL="0" indent="0">
               <a:buNone/>
-              <a:defRPr sz="2394"/>
+              <a:defRPr sz="2205"/>
             </a:lvl1pPr>
-            <a:lvl2pPr marL="683971" indent="0">
-              <a:buNone/>
-              <a:defRPr sz="2094"/>
+            <a:lvl2pPr marL="630022" indent="0">
+              <a:buNone/>
+              <a:defRPr sz="1929"/>
             </a:lvl2pPr>
-            <a:lvl3pPr marL="1367942" indent="0">
-              <a:buNone/>
-              <a:defRPr sz="1795"/>
+            <a:lvl3pPr marL="1260043" indent="0">
+              <a:buNone/>
+              <a:defRPr sz="1654"/>
             </a:lvl3pPr>
-            <a:lvl4pPr marL="2051914" indent="0">
-              <a:buNone/>
-              <a:defRPr sz="1496"/>
+            <a:lvl4pPr marL="1890065" indent="0">
+              <a:buNone/>
+              <a:defRPr sz="1378"/>
             </a:lvl4pPr>
-            <a:lvl5pPr marL="2735885" indent="0">
-              <a:buNone/>
-              <a:defRPr sz="1496"/>
+            <a:lvl5pPr marL="2520086" indent="0">
+              <a:buNone/>
+              <a:defRPr sz="1378"/>
             </a:lvl5pPr>
-            <a:lvl6pPr marL="3419856" indent="0">
-              <a:buNone/>
-              <a:defRPr sz="1496"/>
+            <a:lvl6pPr marL="3150108" indent="0">
+              <a:buNone/>
+              <a:defRPr sz="1378"/>
             </a:lvl6pPr>
-            <a:lvl7pPr marL="4103827" indent="0">
-              <a:buNone/>
-              <a:defRPr sz="1496"/>
+            <a:lvl7pPr marL="3780130" indent="0">
+              <a:buNone/>
+              <a:defRPr sz="1378"/>
             </a:lvl7pPr>
-            <a:lvl8pPr marL="4787798" indent="0">
-              <a:buNone/>
-              <a:defRPr sz="1496"/>
+            <a:lvl8pPr marL="4410151" indent="0">
+              <a:buNone/>
+              <a:defRPr sz="1378"/>
             </a:lvl8pPr>
-            <a:lvl9pPr marL="5471770" indent="0">
-              <a:buNone/>
-              <a:defRPr sz="1496"/>
+            <a:lvl9pPr marL="5040173" indent="0">
+              <a:buNone/>
+              <a:defRPr sz="1378"/>
             </a:lvl9pPr>
           </a:lstStyle>
           <a:p>
@@ -2794,7 +2794,7 @@
           <a:p>
             <a:fld id="{CA1BB51F-BFC6-4DD3-8C2A-5B21FD6F69C3}" type="datetimeFigureOut">
               <a:rPr lang="en-SE" smtClean="0"/>
-              <a:t>10/03/2023</a:t>
+              <a:t>10/04/2023</a:t>
             </a:fld>
             <a:endParaRPr lang="en-SE"/>
           </a:p>
@@ -2845,7 +2845,7 @@
     </p:spTree>
     <p:extLst>
       <p:ext uri="{BB962C8B-B14F-4D97-AF65-F5344CB8AC3E}">
-        <p14:creationId xmlns:p14="http://schemas.microsoft.com/office/powerpoint/2010/main" val="2145490841"/>
+        <p14:creationId xmlns:p14="http://schemas.microsoft.com/office/powerpoint/2010/main" val="1558201348"/>
       </p:ext>
     </p:extLst>
   </p:cSld>
@@ -2889,8 +2889,8 @@
         </p:nvSpPr>
         <p:spPr>
           <a:xfrm>
-            <a:off x="940465" y="613362"/>
-            <a:ext cx="11798558" cy="2226762"/>
+            <a:off x="866249" y="613362"/>
+            <a:ext cx="10867490" cy="2226762"/>
           </a:xfrm>
           <a:prstGeom prst="rect">
             <a:avLst/>
@@ -2922,8 +2922,8 @@
         </p:nvSpPr>
         <p:spPr>
           <a:xfrm>
-            <a:off x="940465" y="3066796"/>
-            <a:ext cx="11798558" cy="7309644"/>
+            <a:off x="866249" y="3066796"/>
+            <a:ext cx="10867490" cy="7309644"/>
           </a:xfrm>
           <a:prstGeom prst="rect">
             <a:avLst/>
@@ -2984,8 +2984,8 @@
         </p:nvSpPr>
         <p:spPr>
           <a:xfrm>
-            <a:off x="940465" y="10677788"/>
-            <a:ext cx="3077885" cy="613359"/>
+            <a:off x="866249" y="10677788"/>
+            <a:ext cx="2834997" cy="613359"/>
           </a:xfrm>
           <a:prstGeom prst="rect">
             <a:avLst/>
@@ -2995,7 +2995,7 @@
           <a:bodyPr vert="horz" lIns="91440" tIns="45720" rIns="91440" bIns="45720" rtlCol="0" anchor="ctr"/>
           <a:lstStyle>
             <a:lvl1pPr algn="l">
-              <a:defRPr sz="1795">
+              <a:defRPr sz="1654">
                 <a:solidFill>
                   <a:schemeClr val="tx1">
                     <a:tint val="75000"/>
@@ -3007,7 +3007,7 @@
           <a:p>
             <a:fld id="{CA1BB51F-BFC6-4DD3-8C2A-5B21FD6F69C3}" type="datetimeFigureOut">
               <a:rPr lang="en-SE" smtClean="0"/>
-              <a:t>10/03/2023</a:t>
+              <a:t>10/04/2023</a:t>
             </a:fld>
             <a:endParaRPr lang="en-SE"/>
           </a:p>
@@ -3025,8 +3025,8 @@
         </p:nvSpPr>
         <p:spPr>
           <a:xfrm>
-            <a:off x="4531331" y="10677788"/>
-            <a:ext cx="4616827" cy="613359"/>
+            <a:off x="4173746" y="10677788"/>
+            <a:ext cx="4252496" cy="613359"/>
           </a:xfrm>
           <a:prstGeom prst="rect">
             <a:avLst/>
@@ -3036,7 +3036,7 @@
           <a:bodyPr vert="horz" lIns="91440" tIns="45720" rIns="91440" bIns="45720" rtlCol="0" anchor="ctr"/>
           <a:lstStyle>
             <a:lvl1pPr algn="ctr">
-              <a:defRPr sz="1795">
+              <a:defRPr sz="1654">
                 <a:solidFill>
                   <a:schemeClr val="tx1">
                     <a:tint val="75000"/>
@@ -3062,8 +3062,8 @@
         </p:nvSpPr>
         <p:spPr>
           <a:xfrm>
-            <a:off x="9661138" y="10677788"/>
-            <a:ext cx="3077885" cy="613359"/>
+            <a:off x="8898742" y="10677788"/>
+            <a:ext cx="2834997" cy="613359"/>
           </a:xfrm>
           <a:prstGeom prst="rect">
             <a:avLst/>
@@ -3073,7 +3073,7 @@
           <a:bodyPr vert="horz" lIns="91440" tIns="45720" rIns="91440" bIns="45720" rtlCol="0" anchor="ctr"/>
           <a:lstStyle>
             <a:lvl1pPr algn="r">
-              <a:defRPr sz="1795">
+              <a:defRPr sz="1654">
                 <a:solidFill>
                   <a:schemeClr val="tx1">
                     <a:tint val="75000"/>
@@ -3094,27 +3094,27 @@
     </p:spTree>
     <p:extLst>
       <p:ext uri="{BB962C8B-B14F-4D97-AF65-F5344CB8AC3E}">
-        <p14:creationId xmlns:p14="http://schemas.microsoft.com/office/powerpoint/2010/main" val="3423331070"/>
+        <p14:creationId xmlns:p14="http://schemas.microsoft.com/office/powerpoint/2010/main" val="2981973872"/>
       </p:ext>
     </p:extLst>
   </p:cSld>
   <p:clrMap bg1="lt1" tx1="dk1" bg2="lt2" tx2="dk2" accent1="accent1" accent2="accent2" accent3="accent3" accent4="accent4" accent5="accent5" accent6="accent6" hlink="hlink" folHlink="folHlink"/>
   <p:sldLayoutIdLst>
-    <p:sldLayoutId id="2147483793" r:id="rId1"/>
-    <p:sldLayoutId id="2147483794" r:id="rId2"/>
-    <p:sldLayoutId id="2147483795" r:id="rId3"/>
-    <p:sldLayoutId id="2147483796" r:id="rId4"/>
-    <p:sldLayoutId id="2147483797" r:id="rId5"/>
-    <p:sldLayoutId id="2147483798" r:id="rId6"/>
-    <p:sldLayoutId id="2147483799" r:id="rId7"/>
-    <p:sldLayoutId id="2147483800" r:id="rId8"/>
-    <p:sldLayoutId id="2147483801" r:id="rId9"/>
-    <p:sldLayoutId id="2147483802" r:id="rId10"/>
-    <p:sldLayoutId id="2147483803" r:id="rId11"/>
+    <p:sldLayoutId id="2147483805" r:id="rId1"/>
+    <p:sldLayoutId id="2147483806" r:id="rId2"/>
+    <p:sldLayoutId id="2147483807" r:id="rId3"/>
+    <p:sldLayoutId id="2147483808" r:id="rId4"/>
+    <p:sldLayoutId id="2147483809" r:id="rId5"/>
+    <p:sldLayoutId id="2147483810" r:id="rId6"/>
+    <p:sldLayoutId id="2147483811" r:id="rId7"/>
+    <p:sldLayoutId id="2147483812" r:id="rId8"/>
+    <p:sldLayoutId id="2147483813" r:id="rId9"/>
+    <p:sldLayoutId id="2147483814" r:id="rId10"/>
+    <p:sldLayoutId id="2147483815" r:id="rId11"/>
   </p:sldLayoutIdLst>
   <p:txStyles>
     <p:titleStyle>
-      <a:lvl1pPr algn="l" defTabSz="1367942" rtl="0" eaLnBrk="1" latinLnBrk="0" hangingPunct="1">
+      <a:lvl1pPr algn="l" defTabSz="1260043" rtl="0" eaLnBrk="1" latinLnBrk="0" hangingPunct="1">
         <a:lnSpc>
           <a:spcPct val="90000"/>
         </a:lnSpc>
@@ -3122,7 +3122,7 @@
           <a:spcPct val="0"/>
         </a:spcBef>
         <a:buNone/>
-        <a:defRPr sz="6582" kern="1200">
+        <a:defRPr sz="6063" kern="1200">
           <a:solidFill>
             <a:schemeClr val="tx1"/>
           </a:solidFill>
@@ -3133,16 +3133,16 @@
       </a:lvl1pPr>
     </p:titleStyle>
     <p:bodyStyle>
-      <a:lvl1pPr marL="341986" indent="-341986" algn="l" defTabSz="1367942" rtl="0" eaLnBrk="1" latinLnBrk="0" hangingPunct="1">
+      <a:lvl1pPr marL="315011" indent="-315011" algn="l" defTabSz="1260043" rtl="0" eaLnBrk="1" latinLnBrk="0" hangingPunct="1">
         <a:lnSpc>
           <a:spcPct val="90000"/>
         </a:lnSpc>
         <a:spcBef>
-          <a:spcPts val="1496"/>
+          <a:spcPts val="1378"/>
         </a:spcBef>
         <a:buFont typeface="Arial" panose="020B0604020202020204" pitchFamily="34" charset="0"/>
         <a:buChar char="•"/>
-        <a:defRPr sz="4189" kern="1200">
+        <a:defRPr sz="3858" kern="1200">
           <a:solidFill>
             <a:schemeClr val="tx1"/>
           </a:solidFill>
@@ -3151,16 +3151,16 @@
           <a:cs typeface="+mn-cs"/>
         </a:defRPr>
       </a:lvl1pPr>
-      <a:lvl2pPr marL="1025957" indent="-341986" algn="l" defTabSz="1367942" rtl="0" eaLnBrk="1" latinLnBrk="0" hangingPunct="1">
+      <a:lvl2pPr marL="945032" indent="-315011" algn="l" defTabSz="1260043" rtl="0" eaLnBrk="1" latinLnBrk="0" hangingPunct="1">
         <a:lnSpc>
           <a:spcPct val="90000"/>
         </a:lnSpc>
         <a:spcBef>
-          <a:spcPts val="748"/>
+          <a:spcPts val="689"/>
         </a:spcBef>
         <a:buFont typeface="Arial" panose="020B0604020202020204" pitchFamily="34" charset="0"/>
         <a:buChar char="•"/>
-        <a:defRPr sz="3590" kern="1200">
+        <a:defRPr sz="3307" kern="1200">
           <a:solidFill>
             <a:schemeClr val="tx1"/>
           </a:solidFill>
@@ -3169,16 +3169,16 @@
           <a:cs typeface="+mn-cs"/>
         </a:defRPr>
       </a:lvl2pPr>
-      <a:lvl3pPr marL="1709928" indent="-341986" algn="l" defTabSz="1367942" rtl="0" eaLnBrk="1" latinLnBrk="0" hangingPunct="1">
+      <a:lvl3pPr marL="1575054" indent="-315011" algn="l" defTabSz="1260043" rtl="0" eaLnBrk="1" latinLnBrk="0" hangingPunct="1">
         <a:lnSpc>
           <a:spcPct val="90000"/>
         </a:lnSpc>
         <a:spcBef>
-          <a:spcPts val="748"/>
+          <a:spcPts val="689"/>
         </a:spcBef>
         <a:buFont typeface="Arial" panose="020B0604020202020204" pitchFamily="34" charset="0"/>
         <a:buChar char="•"/>
-        <a:defRPr sz="2992" kern="1200">
+        <a:defRPr sz="2756" kern="1200">
           <a:solidFill>
             <a:schemeClr val="tx1"/>
           </a:solidFill>
@@ -3187,16 +3187,16 @@
           <a:cs typeface="+mn-cs"/>
         </a:defRPr>
       </a:lvl3pPr>
-      <a:lvl4pPr marL="2393899" indent="-341986" algn="l" defTabSz="1367942" rtl="0" eaLnBrk="1" latinLnBrk="0" hangingPunct="1">
+      <a:lvl4pPr marL="2205076" indent="-315011" algn="l" defTabSz="1260043" rtl="0" eaLnBrk="1" latinLnBrk="0" hangingPunct="1">
         <a:lnSpc>
           <a:spcPct val="90000"/>
         </a:lnSpc>
         <a:spcBef>
-          <a:spcPts val="748"/>
+          <a:spcPts val="689"/>
         </a:spcBef>
         <a:buFont typeface="Arial" panose="020B0604020202020204" pitchFamily="34" charset="0"/>
         <a:buChar char="•"/>
-        <a:defRPr sz="2693" kern="1200">
+        <a:defRPr sz="2480" kern="1200">
           <a:solidFill>
             <a:schemeClr val="tx1"/>
           </a:solidFill>
@@ -3205,16 +3205,16 @@
           <a:cs typeface="+mn-cs"/>
         </a:defRPr>
       </a:lvl4pPr>
-      <a:lvl5pPr marL="3077870" indent="-341986" algn="l" defTabSz="1367942" rtl="0" eaLnBrk="1" latinLnBrk="0" hangingPunct="1">
+      <a:lvl5pPr marL="2835097" indent="-315011" algn="l" defTabSz="1260043" rtl="0" eaLnBrk="1" latinLnBrk="0" hangingPunct="1">
         <a:lnSpc>
           <a:spcPct val="90000"/>
         </a:lnSpc>
         <a:spcBef>
-          <a:spcPts val="748"/>
+          <a:spcPts val="689"/>
         </a:spcBef>
         <a:buFont typeface="Arial" panose="020B0604020202020204" pitchFamily="34" charset="0"/>
         <a:buChar char="•"/>
-        <a:defRPr sz="2693" kern="1200">
+        <a:defRPr sz="2480" kern="1200">
           <a:solidFill>
             <a:schemeClr val="tx1"/>
           </a:solidFill>
@@ -3223,16 +3223,16 @@
           <a:cs typeface="+mn-cs"/>
         </a:defRPr>
       </a:lvl5pPr>
-      <a:lvl6pPr marL="3761842" indent="-341986" algn="l" defTabSz="1367942" rtl="0" eaLnBrk="1" latinLnBrk="0" hangingPunct="1">
+      <a:lvl6pPr marL="3465119" indent="-315011" algn="l" defTabSz="1260043" rtl="0" eaLnBrk="1" latinLnBrk="0" hangingPunct="1">
         <a:lnSpc>
           <a:spcPct val="90000"/>
         </a:lnSpc>
         <a:spcBef>
-          <a:spcPts val="748"/>
+          <a:spcPts val="689"/>
         </a:spcBef>
         <a:buFont typeface="Arial" panose="020B0604020202020204" pitchFamily="34" charset="0"/>
         <a:buChar char="•"/>
-        <a:defRPr sz="2693" kern="1200">
+        <a:defRPr sz="2480" kern="1200">
           <a:solidFill>
             <a:schemeClr val="tx1"/>
           </a:solidFill>
@@ -3241,16 +3241,16 @@
           <a:cs typeface="+mn-cs"/>
         </a:defRPr>
       </a:lvl6pPr>
-      <a:lvl7pPr marL="4445813" indent="-341986" algn="l" defTabSz="1367942" rtl="0" eaLnBrk="1" latinLnBrk="0" hangingPunct="1">
+      <a:lvl7pPr marL="4095140" indent="-315011" algn="l" defTabSz="1260043" rtl="0" eaLnBrk="1" latinLnBrk="0" hangingPunct="1">
         <a:lnSpc>
           <a:spcPct val="90000"/>
         </a:lnSpc>
         <a:spcBef>
-          <a:spcPts val="748"/>
+          <a:spcPts val="689"/>
         </a:spcBef>
         <a:buFont typeface="Arial" panose="020B0604020202020204" pitchFamily="34" charset="0"/>
         <a:buChar char="•"/>
-        <a:defRPr sz="2693" kern="1200">
+        <a:defRPr sz="2480" kern="1200">
           <a:solidFill>
             <a:schemeClr val="tx1"/>
           </a:solidFill>
@@ -3259,16 +3259,16 @@
           <a:cs typeface="+mn-cs"/>
         </a:defRPr>
       </a:lvl7pPr>
-      <a:lvl8pPr marL="5129784" indent="-341986" algn="l" defTabSz="1367942" rtl="0" eaLnBrk="1" latinLnBrk="0" hangingPunct="1">
+      <a:lvl8pPr marL="4725162" indent="-315011" algn="l" defTabSz="1260043" rtl="0" eaLnBrk="1" latinLnBrk="0" hangingPunct="1">
         <a:lnSpc>
           <a:spcPct val="90000"/>
         </a:lnSpc>
         <a:spcBef>
-          <a:spcPts val="748"/>
+          <a:spcPts val="689"/>
         </a:spcBef>
         <a:buFont typeface="Arial" panose="020B0604020202020204" pitchFamily="34" charset="0"/>
         <a:buChar char="•"/>
-        <a:defRPr sz="2693" kern="1200">
+        <a:defRPr sz="2480" kern="1200">
           <a:solidFill>
             <a:schemeClr val="tx1"/>
           </a:solidFill>
@@ -3277,16 +3277,16 @@
           <a:cs typeface="+mn-cs"/>
         </a:defRPr>
       </a:lvl8pPr>
-      <a:lvl9pPr marL="5813755" indent="-341986" algn="l" defTabSz="1367942" rtl="0" eaLnBrk="1" latinLnBrk="0" hangingPunct="1">
+      <a:lvl9pPr marL="5355184" indent="-315011" algn="l" defTabSz="1260043" rtl="0" eaLnBrk="1" latinLnBrk="0" hangingPunct="1">
         <a:lnSpc>
           <a:spcPct val="90000"/>
         </a:lnSpc>
         <a:spcBef>
-          <a:spcPts val="748"/>
+          <a:spcPts val="689"/>
         </a:spcBef>
         <a:buFont typeface="Arial" panose="020B0604020202020204" pitchFamily="34" charset="0"/>
         <a:buChar char="•"/>
-        <a:defRPr sz="2693" kern="1200">
+        <a:defRPr sz="2480" kern="1200">
           <a:solidFill>
             <a:schemeClr val="tx1"/>
           </a:solidFill>
@@ -3300,8 +3300,8 @@
       <a:defPPr>
         <a:defRPr lang="en-US"/>
       </a:defPPr>
-      <a:lvl1pPr marL="0" algn="l" defTabSz="1367942" rtl="0" eaLnBrk="1" latinLnBrk="0" hangingPunct="1">
-        <a:defRPr sz="2693" kern="1200">
+      <a:lvl1pPr marL="0" algn="l" defTabSz="1260043" rtl="0" eaLnBrk="1" latinLnBrk="0" hangingPunct="1">
+        <a:defRPr sz="2480" kern="1200">
           <a:solidFill>
             <a:schemeClr val="tx1"/>
           </a:solidFill>
@@ -3310,8 +3310,8 @@
           <a:cs typeface="+mn-cs"/>
         </a:defRPr>
       </a:lvl1pPr>
-      <a:lvl2pPr marL="683971" algn="l" defTabSz="1367942" rtl="0" eaLnBrk="1" latinLnBrk="0" hangingPunct="1">
-        <a:defRPr sz="2693" kern="1200">
+      <a:lvl2pPr marL="630022" algn="l" defTabSz="1260043" rtl="0" eaLnBrk="1" latinLnBrk="0" hangingPunct="1">
+        <a:defRPr sz="2480" kern="1200">
           <a:solidFill>
             <a:schemeClr val="tx1"/>
           </a:solidFill>
@@ -3320,8 +3320,8 @@
           <a:cs typeface="+mn-cs"/>
         </a:defRPr>
       </a:lvl2pPr>
-      <a:lvl3pPr marL="1367942" algn="l" defTabSz="1367942" rtl="0" eaLnBrk="1" latinLnBrk="0" hangingPunct="1">
-        <a:defRPr sz="2693" kern="1200">
+      <a:lvl3pPr marL="1260043" algn="l" defTabSz="1260043" rtl="0" eaLnBrk="1" latinLnBrk="0" hangingPunct="1">
+        <a:defRPr sz="2480" kern="1200">
           <a:solidFill>
             <a:schemeClr val="tx1"/>
           </a:solidFill>
@@ -3330,8 +3330,8 @@
           <a:cs typeface="+mn-cs"/>
         </a:defRPr>
       </a:lvl3pPr>
-      <a:lvl4pPr marL="2051914" algn="l" defTabSz="1367942" rtl="0" eaLnBrk="1" latinLnBrk="0" hangingPunct="1">
-        <a:defRPr sz="2693" kern="1200">
+      <a:lvl4pPr marL="1890065" algn="l" defTabSz="1260043" rtl="0" eaLnBrk="1" latinLnBrk="0" hangingPunct="1">
+        <a:defRPr sz="2480" kern="1200">
           <a:solidFill>
             <a:schemeClr val="tx1"/>
           </a:solidFill>
@@ -3340,8 +3340,8 @@
           <a:cs typeface="+mn-cs"/>
         </a:defRPr>
       </a:lvl4pPr>
-      <a:lvl5pPr marL="2735885" algn="l" defTabSz="1367942" rtl="0" eaLnBrk="1" latinLnBrk="0" hangingPunct="1">
-        <a:defRPr sz="2693" kern="1200">
+      <a:lvl5pPr marL="2520086" algn="l" defTabSz="1260043" rtl="0" eaLnBrk="1" latinLnBrk="0" hangingPunct="1">
+        <a:defRPr sz="2480" kern="1200">
           <a:solidFill>
             <a:schemeClr val="tx1"/>
           </a:solidFill>
@@ -3350,8 +3350,8 @@
           <a:cs typeface="+mn-cs"/>
         </a:defRPr>
       </a:lvl5pPr>
-      <a:lvl6pPr marL="3419856" algn="l" defTabSz="1367942" rtl="0" eaLnBrk="1" latinLnBrk="0" hangingPunct="1">
-        <a:defRPr sz="2693" kern="1200">
+      <a:lvl6pPr marL="3150108" algn="l" defTabSz="1260043" rtl="0" eaLnBrk="1" latinLnBrk="0" hangingPunct="1">
+        <a:defRPr sz="2480" kern="1200">
           <a:solidFill>
             <a:schemeClr val="tx1"/>
           </a:solidFill>
@@ -3360,8 +3360,8 @@
           <a:cs typeface="+mn-cs"/>
         </a:defRPr>
       </a:lvl6pPr>
-      <a:lvl7pPr marL="4103827" algn="l" defTabSz="1367942" rtl="0" eaLnBrk="1" latinLnBrk="0" hangingPunct="1">
-        <a:defRPr sz="2693" kern="1200">
+      <a:lvl7pPr marL="3780130" algn="l" defTabSz="1260043" rtl="0" eaLnBrk="1" latinLnBrk="0" hangingPunct="1">
+        <a:defRPr sz="2480" kern="1200">
           <a:solidFill>
             <a:schemeClr val="tx1"/>
           </a:solidFill>
@@ -3370,8 +3370,8 @@
           <a:cs typeface="+mn-cs"/>
         </a:defRPr>
       </a:lvl7pPr>
-      <a:lvl8pPr marL="4787798" algn="l" defTabSz="1367942" rtl="0" eaLnBrk="1" latinLnBrk="0" hangingPunct="1">
-        <a:defRPr sz="2693" kern="1200">
+      <a:lvl8pPr marL="4410151" algn="l" defTabSz="1260043" rtl="0" eaLnBrk="1" latinLnBrk="0" hangingPunct="1">
+        <a:defRPr sz="2480" kern="1200">
           <a:solidFill>
             <a:schemeClr val="tx1"/>
           </a:solidFill>
@@ -3380,8 +3380,8 @@
           <a:cs typeface="+mn-cs"/>
         </a:defRPr>
       </a:lvl8pPr>
-      <a:lvl9pPr marL="5471770" algn="l" defTabSz="1367942" rtl="0" eaLnBrk="1" latinLnBrk="0" hangingPunct="1">
-        <a:defRPr sz="2693" kern="1200">
+      <a:lvl9pPr marL="5040173" algn="l" defTabSz="1260043" rtl="0" eaLnBrk="1" latinLnBrk="0" hangingPunct="1">
+        <a:defRPr sz="2480" kern="1200">
           <a:solidFill>
             <a:schemeClr val="tx1"/>
           </a:solidFill>
@@ -3414,10 +3414,10 @@
       </p:grpSpPr>
       <p:pic>
         <p:nvPicPr>
-          <p:cNvPr id="26" name="图片 25">
+          <p:cNvPr id="5" name="图片 4">
             <a:extLst>
               <a:ext uri="{FF2B5EF4-FFF2-40B4-BE49-F238E27FC236}">
-                <a16:creationId xmlns:a16="http://schemas.microsoft.com/office/drawing/2014/main" id="{C88B65CD-0D1E-6F27-8A23-EF73D5AFA141}"/>
+                <a16:creationId xmlns:a16="http://schemas.microsoft.com/office/drawing/2014/main" id="{21D06E53-E925-0253-28A7-A150A048D97D}"/>
               </a:ext>
             </a:extLst>
           </p:cNvPr>
@@ -3434,8 +3434,8 @@
         </p:blipFill>
         <p:spPr>
           <a:xfrm>
-            <a:off x="0" y="0"/>
-            <a:ext cx="12213899" cy="11494164"/>
+            <a:off x="8161381" y="0"/>
+            <a:ext cx="4088676" cy="11522631"/>
           </a:xfrm>
           <a:prstGeom prst="rect">
             <a:avLst/>
@@ -3444,10 +3444,10 @@
       </p:pic>
       <p:pic>
         <p:nvPicPr>
-          <p:cNvPr id="31" name="图片 30">
+          <p:cNvPr id="3" name="图片 2">
             <a:extLst>
               <a:ext uri="{FF2B5EF4-FFF2-40B4-BE49-F238E27FC236}">
-                <a16:creationId xmlns:a16="http://schemas.microsoft.com/office/drawing/2014/main" id="{6C8EE4D4-97A8-4D27-B604-F4EF2F5F8160}"/>
+                <a16:creationId xmlns:a16="http://schemas.microsoft.com/office/drawing/2014/main" id="{76B1FFD7-65CB-7EF1-403E-8D17E9A9E0CC}"/>
               </a:ext>
             </a:extLst>
           </p:cNvPr>
@@ -3464,8 +3464,8 @@
         </p:blipFill>
         <p:spPr>
           <a:xfrm>
-            <a:off x="8219089" y="6918751"/>
-            <a:ext cx="3721885" cy="3935377"/>
+            <a:off x="0" y="1"/>
+            <a:ext cx="8173872" cy="11535295"/>
           </a:xfrm>
           <a:prstGeom prst="rect">
             <a:avLst/>
@@ -3488,7 +3488,7 @@
         </p:nvSpPr>
         <p:spPr>
           <a:xfrm>
-            <a:off x="7244234" y="6626303"/>
+            <a:off x="7366237" y="6798123"/>
             <a:ext cx="755938" cy="755938"/>
           </a:xfrm>
           <a:prstGeom prst="ellipse">
@@ -3552,7 +3552,7 @@
         </p:nvSpPr>
         <p:spPr>
           <a:xfrm>
-            <a:off x="11185033" y="2141370"/>
+            <a:off x="10231376" y="1597226"/>
             <a:ext cx="755938" cy="755938"/>
           </a:xfrm>
           <a:prstGeom prst="ellipse">
@@ -3602,21 +3602,157 @@
       </p:sp>
       <p:sp>
         <p:nvSpPr>
-          <p:cNvPr id="20" name="Oval 19">
+          <p:cNvPr id="21" name="Rectangle 22">
             <a:extLst>
               <a:ext uri="{FF2B5EF4-FFF2-40B4-BE49-F238E27FC236}">
-                <a16:creationId xmlns:a16="http://schemas.microsoft.com/office/drawing/2014/main" id="{1EDF1414-77B8-06DB-39B3-73C6AB7F77F4}"/>
+                <a16:creationId xmlns:a16="http://schemas.microsoft.com/office/drawing/2014/main" id="{A2E33402-E8D2-A768-BFF5-84568F1F3DC5}"/>
               </a:ext>
             </a:extLst>
           </p:cNvPr>
-          <p:cNvSpPr>
-            <a:spLocks noChangeAspect="1"/>
-          </p:cNvSpPr>
+          <p:cNvSpPr/>
           <p:nvPr/>
         </p:nvSpPr>
         <p:spPr>
           <a:xfrm>
-            <a:off x="11239044" y="5902556"/>
+            <a:off x="5168800" y="6686661"/>
+            <a:ext cx="2992581" cy="4833826"/>
+          </a:xfrm>
+          <a:prstGeom prst="rect">
+            <a:avLst/>
+          </a:prstGeom>
+          <a:noFill/>
+          <a:ln w="28575">
+            <a:solidFill>
+              <a:srgbClr val="F79647"/>
+            </a:solidFill>
+            <a:prstDash val="sysDot"/>
+          </a:ln>
+        </p:spPr>
+        <p:style>
+          <a:lnRef idx="2">
+            <a:schemeClr val="accent1">
+              <a:shade val="15000"/>
+            </a:schemeClr>
+          </a:lnRef>
+          <a:fillRef idx="1">
+            <a:schemeClr val="accent1"/>
+          </a:fillRef>
+          <a:effectRef idx="0">
+            <a:schemeClr val="accent1"/>
+          </a:effectRef>
+          <a:fontRef idx="minor">
+            <a:schemeClr val="lt1"/>
+          </a:fontRef>
+        </p:style>
+        <p:txBody>
+          <a:bodyPr rtlCol="0" anchor="ctr"/>
+          <a:lstStyle/>
+          <a:p>
+            <a:pPr algn="ctr"/>
+            <a:endParaRPr lang="en-SE" sz="7631"/>
+          </a:p>
+        </p:txBody>
+      </p:sp>
+      <p:sp>
+        <p:nvSpPr>
+          <p:cNvPr id="33" name="Rectangle 22">
+            <a:extLst>
+              <a:ext uri="{FF2B5EF4-FFF2-40B4-BE49-F238E27FC236}">
+                <a16:creationId xmlns:a16="http://schemas.microsoft.com/office/drawing/2014/main" id="{7E410378-1067-76E3-59F6-59A9D0F93801}"/>
+              </a:ext>
+            </a:extLst>
+          </p:cNvPr>
+          <p:cNvSpPr/>
+          <p:nvPr/>
+        </p:nvSpPr>
+        <p:spPr>
+          <a:xfrm>
+            <a:off x="8213078" y="2365829"/>
+            <a:ext cx="2774236" cy="2278742"/>
+          </a:xfrm>
+          <a:prstGeom prst="rect">
+            <a:avLst/>
+          </a:prstGeom>
+          <a:noFill/>
+          <a:ln w="28575">
+            <a:solidFill>
+              <a:srgbClr val="F79647"/>
+            </a:solidFill>
+            <a:prstDash val="sysDot"/>
+          </a:ln>
+        </p:spPr>
+        <p:style>
+          <a:lnRef idx="2">
+            <a:schemeClr val="accent1">
+              <a:shade val="15000"/>
+            </a:schemeClr>
+          </a:lnRef>
+          <a:fillRef idx="1">
+            <a:schemeClr val="accent1"/>
+          </a:fillRef>
+          <a:effectRef idx="0">
+            <a:schemeClr val="accent1"/>
+          </a:effectRef>
+          <a:fontRef idx="minor">
+            <a:schemeClr val="lt1"/>
+          </a:fontRef>
+        </p:style>
+        <p:txBody>
+          <a:bodyPr rtlCol="0" anchor="ctr"/>
+          <a:lstStyle/>
+          <a:p>
+            <a:pPr algn="ctr"/>
+            <a:endParaRPr lang="en-SE" sz="7631"/>
+          </a:p>
+        </p:txBody>
+      </p:sp>
+      <p:pic>
+        <p:nvPicPr>
+          <p:cNvPr id="7" name="图片 6">
+            <a:extLst>
+              <a:ext uri="{FF2B5EF4-FFF2-40B4-BE49-F238E27FC236}">
+                <a16:creationId xmlns:a16="http://schemas.microsoft.com/office/drawing/2014/main" id="{9F250442-D0EB-8395-8493-0FF52AB6BFF5}"/>
+              </a:ext>
+            </a:extLst>
+          </p:cNvPr>
+          <p:cNvPicPr>
+            <a:picLocks noChangeAspect="1"/>
+          </p:cNvPicPr>
+          <p:nvPr/>
+        </p:nvPicPr>
+        <p:blipFill>
+          <a:blip r:embed="rId5"/>
+          <a:stretch>
+            <a:fillRect/>
+          </a:stretch>
+        </p:blipFill>
+        <p:spPr>
+          <a:xfrm>
+            <a:off x="8213078" y="7554061"/>
+            <a:ext cx="2971157" cy="3809468"/>
+          </a:xfrm>
+          <a:prstGeom prst="rect">
+            <a:avLst/>
+          </a:prstGeom>
+        </p:spPr>
+      </p:pic>
+      <p:sp>
+        <p:nvSpPr>
+          <p:cNvPr id="2" name="Oval 19">
+            <a:extLst>
+              <a:ext uri="{FF2B5EF4-FFF2-40B4-BE49-F238E27FC236}">
+                <a16:creationId xmlns:a16="http://schemas.microsoft.com/office/drawing/2014/main" id="{37EF5010-0726-AAF4-C587-41135914D95B}"/>
+              </a:ext>
+            </a:extLst>
+          </p:cNvPr>
+          <p:cNvSpPr>
+            <a:spLocks noChangeAspect="1"/>
+          </p:cNvSpPr>
+          <p:nvPr/>
+        </p:nvSpPr>
+        <p:spPr>
+          <a:xfrm>
+            <a:off x="11184235" y="2795773"/>
             <a:ext cx="755938" cy="755938"/>
           </a:xfrm>
           <a:prstGeom prst="ellipse">
@@ -3666,10 +3802,10 @@
       </p:sp>
       <p:sp>
         <p:nvSpPr>
-          <p:cNvPr id="21" name="Rectangle 22">
+          <p:cNvPr id="4" name="Rectangle 22">
             <a:extLst>
               <a:ext uri="{FF2B5EF4-FFF2-40B4-BE49-F238E27FC236}">
-                <a16:creationId xmlns:a16="http://schemas.microsoft.com/office/drawing/2014/main" id="{A2E33402-E8D2-A768-BFF5-84568F1F3DC5}"/>
+                <a16:creationId xmlns:a16="http://schemas.microsoft.com/office/drawing/2014/main" id="{1F66EBE8-0CA8-99EA-3EA5-8AECB10F1AEB}"/>
               </a:ext>
             </a:extLst>
           </p:cNvPr>
@@ -3678,8 +3814,8 @@
         </p:nvSpPr>
         <p:spPr>
           <a:xfrm>
-            <a:off x="5168800" y="6658495"/>
-            <a:ext cx="2992581" cy="4690226"/>
+            <a:off x="11364685" y="3710813"/>
+            <a:ext cx="329149" cy="424144"/>
           </a:xfrm>
           <a:prstGeom prst="rect">
             <a:avLst/>
@@ -3719,30 +3855,31 @@
       </p:sp>
       <p:sp>
         <p:nvSpPr>
-          <p:cNvPr id="32" name="Rectangle 22">
+          <p:cNvPr id="6" name="Oval 19">
             <a:extLst>
               <a:ext uri="{FF2B5EF4-FFF2-40B4-BE49-F238E27FC236}">
-                <a16:creationId xmlns:a16="http://schemas.microsoft.com/office/drawing/2014/main" id="{19B35277-59FE-7783-78CA-FB45FE86707F}"/>
+                <a16:creationId xmlns:a16="http://schemas.microsoft.com/office/drawing/2014/main" id="{06BE9DCC-EA19-5063-99F2-C274A58B04E4}"/>
               </a:ext>
             </a:extLst>
           </p:cNvPr>
-          <p:cNvSpPr/>
+          <p:cNvSpPr>
+            <a:spLocks noChangeAspect="1"/>
+          </p:cNvSpPr>
           <p:nvPr/>
         </p:nvSpPr>
         <p:spPr>
           <a:xfrm>
-            <a:off x="8203920" y="6918751"/>
-            <a:ext cx="3791062" cy="3935377"/>
+            <a:off x="11315865" y="7695966"/>
+            <a:ext cx="755938" cy="755938"/>
           </a:xfrm>
-          <a:prstGeom prst="rect">
+          <a:prstGeom prst="ellipse">
             <a:avLst/>
           </a:prstGeom>
-          <a:noFill/>
-          <a:ln w="28575">
-            <a:solidFill>
-              <a:srgbClr val="F79647"/>
-            </a:solidFill>
-            <a:prstDash val="sysDot"/>
+          <a:solidFill>
+            <a:srgbClr val="F79647"/>
+          </a:solidFill>
+          <a:ln>
+            <a:noFill/>
           </a:ln>
         </p:spPr>
         <p:style>
@@ -3762,20 +3899,30 @@
           </a:fontRef>
         </p:style>
         <p:txBody>
-          <a:bodyPr rtlCol="0" anchor="ctr"/>
+          <a:bodyPr tIns="151187" bIns="226783" rtlCol="0" anchor="ctr"/>
           <a:lstStyle/>
           <a:p>
             <a:pPr algn="ctr"/>
-            <a:endParaRPr lang="en-SE" sz="7631"/>
-          </a:p>
-        </p:txBody>
-      </p:sp>
-      <p:sp>
-        <p:nvSpPr>
-          <p:cNvPr id="33" name="Rectangle 22">
+            <a:r>
+              <a:rPr lang="en-GB" sz="4000" dirty="0">
+                <a:latin typeface="Arial" panose="020B0604020202020204" pitchFamily="34" charset="0"/>
+                <a:cs typeface="Arial" panose="020B0604020202020204" pitchFamily="34" charset="0"/>
+              </a:rPr>
+              <a:t>d</a:t>
+            </a:r>
+            <a:endParaRPr lang="en-SE" sz="4000" dirty="0">
+              <a:latin typeface="Arial" panose="020B0604020202020204" pitchFamily="34" charset="0"/>
+              <a:cs typeface="Arial" panose="020B0604020202020204" pitchFamily="34" charset="0"/>
+            </a:endParaRPr>
+          </a:p>
+        </p:txBody>
+      </p:sp>
+      <p:sp>
+        <p:nvSpPr>
+          <p:cNvPr id="8" name="Rectangle 22">
             <a:extLst>
               <a:ext uri="{FF2B5EF4-FFF2-40B4-BE49-F238E27FC236}">
-                <a16:creationId xmlns:a16="http://schemas.microsoft.com/office/drawing/2014/main" id="{7E410378-1067-76E3-59F6-59A9D0F93801}"/>
+                <a16:creationId xmlns:a16="http://schemas.microsoft.com/office/drawing/2014/main" id="{721A951A-36FE-1658-EC34-250A451A4755}"/>
               </a:ext>
             </a:extLst>
           </p:cNvPr>
@@ -3784,8 +3931,8 @@
         </p:nvSpPr>
         <p:spPr>
           <a:xfrm>
-            <a:off x="11239044" y="3018351"/>
-            <a:ext cx="438002" cy="425891"/>
+            <a:off x="8213078" y="7554061"/>
+            <a:ext cx="3010363" cy="3863239"/>
           </a:xfrm>
           <a:prstGeom prst="rect">
             <a:avLst/>

--- a/tutorials/pipelines/tut_a_st_bud/vector files/fig06.pptx
+++ b/tutorials/pipelines/tut_a_st_bud/vector files/fig06.pptx
@@ -2,15 +2,15 @@
 <file path=ppt/presentation.xml><?xml version="1.0" encoding="utf-8"?>
 <p:presentation xmlns:a="http://schemas.openxmlformats.org/drawingml/2006/main" xmlns:r="http://schemas.openxmlformats.org/officeDocument/2006/relationships" xmlns:p="http://schemas.openxmlformats.org/presentationml/2006/main" saveSubsetFonts="1">
   <p:sldMasterIdLst>
-    <p:sldMasterId id="2147483804" r:id="rId1"/>
+    <p:sldMasterId id="2147483732" r:id="rId1"/>
   </p:sldMasterIdLst>
   <p:notesMasterIdLst>
     <p:notesMasterId r:id="rId3"/>
   </p:notesMasterIdLst>
   <p:sldIdLst>
-    <p:sldId id="257" r:id="rId2"/>
+    <p:sldId id="256" r:id="rId2"/>
   </p:sldIdLst>
-  <p:sldSz cx="12599988" cy="11520488"/>
+  <p:sldSz cx="18000663" cy="10799763"/>
   <p:notesSz cx="6858000" cy="9144000"/>
   <p:defaultTextStyle>
     <a:defPPr>
@@ -197,7 +197,7 @@
           <a:p>
             <a:fld id="{00908931-0033-4484-A0E5-3BAAC1BCE9A0}" type="datetimeFigureOut">
               <a:rPr lang="zh-CN" altLang="en-US" smtClean="0"/>
-              <a:t>2023/10/4</a:t>
+              <a:t>2023/10/3</a:t>
             </a:fld>
             <a:endParaRPr lang="zh-CN" altLang="en-US"/>
           </a:p>
@@ -215,8 +215,8 @@
         </p:nvSpPr>
         <p:spPr>
           <a:xfrm>
-            <a:off x="1741488" y="1143000"/>
-            <a:ext cx="3375025" cy="3086100"/>
+            <a:off x="857250" y="1143000"/>
+            <a:ext cx="5143500" cy="3086100"/>
           </a:xfrm>
           <a:prstGeom prst="rect">
             <a:avLst/>
@@ -370,7 +370,7 @@
   </p:cSld>
   <p:clrMap bg1="lt1" tx1="dk1" bg2="lt2" tx2="dk2" accent1="accent1" accent2="accent2" accent3="accent3" accent4="accent4" accent5="accent5" accent6="accent6" hlink="hlink" folHlink="folHlink"/>
   <p:notesStyle>
-    <a:lvl1pPr marL="0" algn="l" defTabSz="1845725" rtl="0" eaLnBrk="1" latinLnBrk="0" hangingPunct="1">
+    <a:lvl1pPr marL="0" algn="l" defTabSz="1846082" rtl="0" eaLnBrk="1" latinLnBrk="0" hangingPunct="1">
       <a:defRPr sz="2423" kern="1200">
         <a:solidFill>
           <a:schemeClr val="tx1"/>
@@ -380,7 +380,7 @@
         <a:cs typeface="+mn-cs"/>
       </a:defRPr>
     </a:lvl1pPr>
-    <a:lvl2pPr marL="922863" algn="l" defTabSz="1845725" rtl="0" eaLnBrk="1" latinLnBrk="0" hangingPunct="1">
+    <a:lvl2pPr marL="923041" algn="l" defTabSz="1846082" rtl="0" eaLnBrk="1" latinLnBrk="0" hangingPunct="1">
       <a:defRPr sz="2423" kern="1200">
         <a:solidFill>
           <a:schemeClr val="tx1"/>
@@ -390,7 +390,7 @@
         <a:cs typeface="+mn-cs"/>
       </a:defRPr>
     </a:lvl2pPr>
-    <a:lvl3pPr marL="1845725" algn="l" defTabSz="1845725" rtl="0" eaLnBrk="1" latinLnBrk="0" hangingPunct="1">
+    <a:lvl3pPr marL="1846082" algn="l" defTabSz="1846082" rtl="0" eaLnBrk="1" latinLnBrk="0" hangingPunct="1">
       <a:defRPr sz="2423" kern="1200">
         <a:solidFill>
           <a:schemeClr val="tx1"/>
@@ -400,7 +400,7 @@
         <a:cs typeface="+mn-cs"/>
       </a:defRPr>
     </a:lvl3pPr>
-    <a:lvl4pPr marL="2768586" algn="l" defTabSz="1845725" rtl="0" eaLnBrk="1" latinLnBrk="0" hangingPunct="1">
+    <a:lvl4pPr marL="2769123" algn="l" defTabSz="1846082" rtl="0" eaLnBrk="1" latinLnBrk="0" hangingPunct="1">
       <a:defRPr sz="2423" kern="1200">
         <a:solidFill>
           <a:schemeClr val="tx1"/>
@@ -410,7 +410,7 @@
         <a:cs typeface="+mn-cs"/>
       </a:defRPr>
     </a:lvl4pPr>
-    <a:lvl5pPr marL="3691448" algn="l" defTabSz="1845725" rtl="0" eaLnBrk="1" latinLnBrk="0" hangingPunct="1">
+    <a:lvl5pPr marL="3692164" algn="l" defTabSz="1846082" rtl="0" eaLnBrk="1" latinLnBrk="0" hangingPunct="1">
       <a:defRPr sz="2423" kern="1200">
         <a:solidFill>
           <a:schemeClr val="tx1"/>
@@ -420,7 +420,7 @@
         <a:cs typeface="+mn-cs"/>
       </a:defRPr>
     </a:lvl5pPr>
-    <a:lvl6pPr marL="4614309" algn="l" defTabSz="1845725" rtl="0" eaLnBrk="1" latinLnBrk="0" hangingPunct="1">
+    <a:lvl6pPr marL="4615205" algn="l" defTabSz="1846082" rtl="0" eaLnBrk="1" latinLnBrk="0" hangingPunct="1">
       <a:defRPr sz="2423" kern="1200">
         <a:solidFill>
           <a:schemeClr val="tx1"/>
@@ -430,7 +430,7 @@
         <a:cs typeface="+mn-cs"/>
       </a:defRPr>
     </a:lvl6pPr>
-    <a:lvl7pPr marL="5537171" algn="l" defTabSz="1845725" rtl="0" eaLnBrk="1" latinLnBrk="0" hangingPunct="1">
+    <a:lvl7pPr marL="5538246" algn="l" defTabSz="1846082" rtl="0" eaLnBrk="1" latinLnBrk="0" hangingPunct="1">
       <a:defRPr sz="2423" kern="1200">
         <a:solidFill>
           <a:schemeClr val="tx1"/>
@@ -440,7 +440,7 @@
         <a:cs typeface="+mn-cs"/>
       </a:defRPr>
     </a:lvl7pPr>
-    <a:lvl8pPr marL="6460032" algn="l" defTabSz="1845725" rtl="0" eaLnBrk="1" latinLnBrk="0" hangingPunct="1">
+    <a:lvl8pPr marL="6461288" algn="l" defTabSz="1846082" rtl="0" eaLnBrk="1" latinLnBrk="0" hangingPunct="1">
       <a:defRPr sz="2423" kern="1200">
         <a:solidFill>
           <a:schemeClr val="tx1"/>
@@ -450,7 +450,7 @@
         <a:cs typeface="+mn-cs"/>
       </a:defRPr>
     </a:lvl8pPr>
-    <a:lvl9pPr marL="7382894" algn="l" defTabSz="1845725" rtl="0" eaLnBrk="1" latinLnBrk="0" hangingPunct="1">
+    <a:lvl9pPr marL="7384329" algn="l" defTabSz="1846082" rtl="0" eaLnBrk="1" latinLnBrk="0" hangingPunct="1">
       <a:defRPr sz="2423" kern="1200">
         <a:solidFill>
           <a:schemeClr val="tx1"/>
@@ -493,8 +493,8 @@
         </p:nvSpPr>
         <p:spPr>
           <a:xfrm>
-            <a:off x="1741488" y="1143000"/>
-            <a:ext cx="3375025" cy="3086100"/>
+            <a:off x="857250" y="1143000"/>
+            <a:ext cx="5143500" cy="3086100"/>
           </a:xfrm>
         </p:spPr>
       </p:sp>
@@ -543,7 +543,7 @@
     </p:spTree>
     <p:extLst>
       <p:ext uri="{BB962C8B-B14F-4D97-AF65-F5344CB8AC3E}">
-        <p14:creationId xmlns:p14="http://schemas.microsoft.com/office/powerpoint/2010/main" val="2340295285"/>
+        <p14:creationId xmlns:p14="http://schemas.microsoft.com/office/powerpoint/2010/main" val="2375913529"/>
       </p:ext>
     </p:extLst>
   </p:cSld>
@@ -582,15 +582,15 @@
         </p:nvSpPr>
         <p:spPr>
           <a:xfrm>
-            <a:off x="944999" y="1885414"/>
-            <a:ext cx="10709990" cy="4010837"/>
+            <a:off x="2250083" y="1767462"/>
+            <a:ext cx="13500497" cy="3759917"/>
           </a:xfrm>
         </p:spPr>
         <p:txBody>
           <a:bodyPr anchor="b"/>
           <a:lstStyle>
             <a:lvl1pPr algn="ctr">
-              <a:defRPr sz="8268"/>
+              <a:defRPr sz="8858"/>
             </a:lvl1pPr>
           </a:lstStyle>
           <a:p>
@@ -614,8 +614,8 @@
         </p:nvSpPr>
         <p:spPr>
           <a:xfrm>
-            <a:off x="1574999" y="6050924"/>
-            <a:ext cx="9449991" cy="2781450"/>
+            <a:off x="2250083" y="5672376"/>
+            <a:ext cx="13500497" cy="2607442"/>
           </a:xfrm>
         </p:spPr>
         <p:txBody>
@@ -623,39 +623,39 @@
           <a:lstStyle>
             <a:lvl1pPr marL="0" indent="0" algn="ctr">
               <a:buNone/>
-              <a:defRPr sz="3307"/>
+              <a:defRPr sz="3543"/>
             </a:lvl1pPr>
-            <a:lvl2pPr marL="630022" indent="0" algn="ctr">
-              <a:buNone/>
-              <a:defRPr sz="2756"/>
+            <a:lvl2pPr marL="675010" indent="0" algn="ctr">
+              <a:buNone/>
+              <a:defRPr sz="2953"/>
             </a:lvl2pPr>
-            <a:lvl3pPr marL="1260043" indent="0" algn="ctr">
-              <a:buNone/>
-              <a:defRPr sz="2480"/>
+            <a:lvl3pPr marL="1350020" indent="0" algn="ctr">
+              <a:buNone/>
+              <a:defRPr sz="2658"/>
             </a:lvl3pPr>
-            <a:lvl4pPr marL="1890065" indent="0" algn="ctr">
-              <a:buNone/>
-              <a:defRPr sz="2205"/>
+            <a:lvl4pPr marL="2025030" indent="0" algn="ctr">
+              <a:buNone/>
+              <a:defRPr sz="2362"/>
             </a:lvl4pPr>
-            <a:lvl5pPr marL="2520086" indent="0" algn="ctr">
-              <a:buNone/>
-              <a:defRPr sz="2205"/>
+            <a:lvl5pPr marL="2700040" indent="0" algn="ctr">
+              <a:buNone/>
+              <a:defRPr sz="2362"/>
             </a:lvl5pPr>
-            <a:lvl6pPr marL="3150108" indent="0" algn="ctr">
-              <a:buNone/>
-              <a:defRPr sz="2205"/>
+            <a:lvl6pPr marL="3375050" indent="0" algn="ctr">
+              <a:buNone/>
+              <a:defRPr sz="2362"/>
             </a:lvl6pPr>
-            <a:lvl7pPr marL="3780130" indent="0" algn="ctr">
-              <a:buNone/>
-              <a:defRPr sz="2205"/>
+            <a:lvl7pPr marL="4050060" indent="0" algn="ctr">
+              <a:buNone/>
+              <a:defRPr sz="2362"/>
             </a:lvl7pPr>
-            <a:lvl8pPr marL="4410151" indent="0" algn="ctr">
-              <a:buNone/>
-              <a:defRPr sz="2205"/>
+            <a:lvl8pPr marL="4725071" indent="0" algn="ctr">
+              <a:buNone/>
+              <a:defRPr sz="2362"/>
             </a:lvl8pPr>
-            <a:lvl9pPr marL="5040173" indent="0" algn="ctr">
-              <a:buNone/>
-              <a:defRPr sz="2205"/>
+            <a:lvl9pPr marL="5400081" indent="0" algn="ctr">
+              <a:buNone/>
+              <a:defRPr sz="2362"/>
             </a:lvl9pPr>
           </a:lstStyle>
           <a:p>
@@ -684,7 +684,7 @@
           <a:p>
             <a:fld id="{CA1BB51F-BFC6-4DD3-8C2A-5B21FD6F69C3}" type="datetimeFigureOut">
               <a:rPr lang="en-SE" smtClean="0"/>
-              <a:t>10/04/2023</a:t>
+              <a:t>10/03/2023</a:t>
             </a:fld>
             <a:endParaRPr lang="en-SE"/>
           </a:p>
@@ -735,7 +735,7 @@
     </p:spTree>
     <p:extLst>
       <p:ext uri="{BB962C8B-B14F-4D97-AF65-F5344CB8AC3E}">
-        <p14:creationId xmlns:p14="http://schemas.microsoft.com/office/powerpoint/2010/main" val="669465653"/>
+        <p14:creationId xmlns:p14="http://schemas.microsoft.com/office/powerpoint/2010/main" val="3624165462"/>
       </p:ext>
     </p:extLst>
   </p:cSld>
@@ -854,7 +854,7 @@
           <a:p>
             <a:fld id="{CA1BB51F-BFC6-4DD3-8C2A-5B21FD6F69C3}" type="datetimeFigureOut">
               <a:rPr lang="en-SE" smtClean="0"/>
-              <a:t>10/04/2023</a:t>
+              <a:t>10/03/2023</a:t>
             </a:fld>
             <a:endParaRPr lang="en-SE"/>
           </a:p>
@@ -905,7 +905,7 @@
     </p:spTree>
     <p:extLst>
       <p:ext uri="{BB962C8B-B14F-4D97-AF65-F5344CB8AC3E}">
-        <p14:creationId xmlns:p14="http://schemas.microsoft.com/office/powerpoint/2010/main" val="342853492"/>
+        <p14:creationId xmlns:p14="http://schemas.microsoft.com/office/powerpoint/2010/main" val="123660998"/>
       </p:ext>
     </p:extLst>
   </p:cSld>
@@ -944,8 +944,8 @@
         </p:nvSpPr>
         <p:spPr>
           <a:xfrm>
-            <a:off x="9016867" y="613359"/>
-            <a:ext cx="2716872" cy="9763081"/>
+            <a:off x="12881724" y="574987"/>
+            <a:ext cx="3881393" cy="9152300"/>
           </a:xfrm>
         </p:spPr>
         <p:txBody>
@@ -972,8 +972,8 @@
         </p:nvSpPr>
         <p:spPr>
           <a:xfrm>
-            <a:off x="866250" y="613359"/>
-            <a:ext cx="7993117" cy="9763081"/>
+            <a:off x="1237545" y="574987"/>
+            <a:ext cx="11419171" cy="9152300"/>
           </a:xfrm>
         </p:spPr>
         <p:txBody>
@@ -1034,7 +1034,7 @@
           <a:p>
             <a:fld id="{CA1BB51F-BFC6-4DD3-8C2A-5B21FD6F69C3}" type="datetimeFigureOut">
               <a:rPr lang="en-SE" smtClean="0"/>
-              <a:t>10/04/2023</a:t>
+              <a:t>10/03/2023</a:t>
             </a:fld>
             <a:endParaRPr lang="en-SE"/>
           </a:p>
@@ -1085,7 +1085,7 @@
     </p:spTree>
     <p:extLst>
       <p:ext uri="{BB962C8B-B14F-4D97-AF65-F5344CB8AC3E}">
-        <p14:creationId xmlns:p14="http://schemas.microsoft.com/office/powerpoint/2010/main" val="200352987"/>
+        <p14:creationId xmlns:p14="http://schemas.microsoft.com/office/powerpoint/2010/main" val="3911792329"/>
       </p:ext>
     </p:extLst>
   </p:cSld>
@@ -1204,7 +1204,7 @@
           <a:p>
             <a:fld id="{CA1BB51F-BFC6-4DD3-8C2A-5B21FD6F69C3}" type="datetimeFigureOut">
               <a:rPr lang="en-SE" smtClean="0"/>
-              <a:t>10/04/2023</a:t>
+              <a:t>10/03/2023</a:t>
             </a:fld>
             <a:endParaRPr lang="en-SE"/>
           </a:p>
@@ -1255,7 +1255,7 @@
     </p:spTree>
     <p:extLst>
       <p:ext uri="{BB962C8B-B14F-4D97-AF65-F5344CB8AC3E}">
-        <p14:creationId xmlns:p14="http://schemas.microsoft.com/office/powerpoint/2010/main" val="1163124712"/>
+        <p14:creationId xmlns:p14="http://schemas.microsoft.com/office/powerpoint/2010/main" val="2077925150"/>
       </p:ext>
     </p:extLst>
   </p:cSld>
@@ -1294,15 +1294,15 @@
         </p:nvSpPr>
         <p:spPr>
           <a:xfrm>
-            <a:off x="859687" y="2872125"/>
-            <a:ext cx="10867490" cy="4792202"/>
+            <a:off x="1228170" y="2692442"/>
+            <a:ext cx="15525572" cy="4492401"/>
           </a:xfrm>
         </p:spPr>
         <p:txBody>
           <a:bodyPr anchor="b"/>
           <a:lstStyle>
             <a:lvl1pPr>
-              <a:defRPr sz="8268"/>
+              <a:defRPr sz="8858"/>
             </a:lvl1pPr>
           </a:lstStyle>
           <a:p>
@@ -1326,8 +1326,8 @@
         </p:nvSpPr>
         <p:spPr>
           <a:xfrm>
-            <a:off x="859687" y="7709663"/>
-            <a:ext cx="10867490" cy="2520106"/>
+            <a:off x="1228170" y="7227343"/>
+            <a:ext cx="15525572" cy="2362447"/>
           </a:xfrm>
         </p:spPr>
         <p:txBody>
@@ -1335,15 +1335,17 @@
           <a:lstStyle>
             <a:lvl1pPr marL="0" indent="0">
               <a:buNone/>
-              <a:defRPr sz="3307">
+              <a:defRPr sz="3543">
                 <a:solidFill>
-                  <a:schemeClr val="tx1"/>
+                  <a:schemeClr val="tx1">
+                    <a:tint val="75000"/>
+                  </a:schemeClr>
                 </a:solidFill>
               </a:defRPr>
             </a:lvl1pPr>
-            <a:lvl2pPr marL="630022" indent="0">
-              <a:buNone/>
-              <a:defRPr sz="2756">
+            <a:lvl2pPr marL="675010" indent="0">
+              <a:buNone/>
+              <a:defRPr sz="2953">
                 <a:solidFill>
                   <a:schemeClr val="tx1">
                     <a:tint val="75000"/>
@@ -1351,9 +1353,9 @@
                 </a:solidFill>
               </a:defRPr>
             </a:lvl2pPr>
-            <a:lvl3pPr marL="1260043" indent="0">
-              <a:buNone/>
-              <a:defRPr sz="2480">
+            <a:lvl3pPr marL="1350020" indent="0">
+              <a:buNone/>
+              <a:defRPr sz="2658">
                 <a:solidFill>
                   <a:schemeClr val="tx1">
                     <a:tint val="75000"/>
@@ -1361,9 +1363,9 @@
                 </a:solidFill>
               </a:defRPr>
             </a:lvl3pPr>
-            <a:lvl4pPr marL="1890065" indent="0">
-              <a:buNone/>
-              <a:defRPr sz="2205">
+            <a:lvl4pPr marL="2025030" indent="0">
+              <a:buNone/>
+              <a:defRPr sz="2362">
                 <a:solidFill>
                   <a:schemeClr val="tx1">
                     <a:tint val="75000"/>
@@ -1371,9 +1373,9 @@
                 </a:solidFill>
               </a:defRPr>
             </a:lvl4pPr>
-            <a:lvl5pPr marL="2520086" indent="0">
-              <a:buNone/>
-              <a:defRPr sz="2205">
+            <a:lvl5pPr marL="2700040" indent="0">
+              <a:buNone/>
+              <a:defRPr sz="2362">
                 <a:solidFill>
                   <a:schemeClr val="tx1">
                     <a:tint val="75000"/>
@@ -1381,9 +1383,9 @@
                 </a:solidFill>
               </a:defRPr>
             </a:lvl5pPr>
-            <a:lvl6pPr marL="3150108" indent="0">
-              <a:buNone/>
-              <a:defRPr sz="2205">
+            <a:lvl6pPr marL="3375050" indent="0">
+              <a:buNone/>
+              <a:defRPr sz="2362">
                 <a:solidFill>
                   <a:schemeClr val="tx1">
                     <a:tint val="75000"/>
@@ -1391,9 +1393,9 @@
                 </a:solidFill>
               </a:defRPr>
             </a:lvl6pPr>
-            <a:lvl7pPr marL="3780130" indent="0">
-              <a:buNone/>
-              <a:defRPr sz="2205">
+            <a:lvl7pPr marL="4050060" indent="0">
+              <a:buNone/>
+              <a:defRPr sz="2362">
                 <a:solidFill>
                   <a:schemeClr val="tx1">
                     <a:tint val="75000"/>
@@ -1401,9 +1403,9 @@
                 </a:solidFill>
               </a:defRPr>
             </a:lvl7pPr>
-            <a:lvl8pPr marL="4410151" indent="0">
-              <a:buNone/>
-              <a:defRPr sz="2205">
+            <a:lvl8pPr marL="4725071" indent="0">
+              <a:buNone/>
+              <a:defRPr sz="2362">
                 <a:solidFill>
                   <a:schemeClr val="tx1">
                     <a:tint val="75000"/>
@@ -1411,9 +1413,9 @@
                 </a:solidFill>
               </a:defRPr>
             </a:lvl8pPr>
-            <a:lvl9pPr marL="5040173" indent="0">
-              <a:buNone/>
-              <a:defRPr sz="2205">
+            <a:lvl9pPr marL="5400081" indent="0">
+              <a:buNone/>
+              <a:defRPr sz="2362">
                 <a:solidFill>
                   <a:schemeClr val="tx1">
                     <a:tint val="75000"/>
@@ -1448,7 +1450,7 @@
           <a:p>
             <a:fld id="{CA1BB51F-BFC6-4DD3-8C2A-5B21FD6F69C3}" type="datetimeFigureOut">
               <a:rPr lang="en-SE" smtClean="0"/>
-              <a:t>10/04/2023</a:t>
+              <a:t>10/03/2023</a:t>
             </a:fld>
             <a:endParaRPr lang="en-SE"/>
           </a:p>
@@ -1499,7 +1501,7 @@
     </p:spTree>
     <p:extLst>
       <p:ext uri="{BB962C8B-B14F-4D97-AF65-F5344CB8AC3E}">
-        <p14:creationId xmlns:p14="http://schemas.microsoft.com/office/powerpoint/2010/main" val="3864325358"/>
+        <p14:creationId xmlns:p14="http://schemas.microsoft.com/office/powerpoint/2010/main" val="1814084450"/>
       </p:ext>
     </p:extLst>
   </p:cSld>
@@ -1561,8 +1563,8 @@
         </p:nvSpPr>
         <p:spPr>
           <a:xfrm>
-            <a:off x="866249" y="3066796"/>
-            <a:ext cx="5354995" cy="7309644"/>
+            <a:off x="1237545" y="2874937"/>
+            <a:ext cx="7650282" cy="6852350"/>
           </a:xfrm>
         </p:spPr>
         <p:txBody>
@@ -1618,8 +1620,8 @@
         </p:nvSpPr>
         <p:spPr>
           <a:xfrm>
-            <a:off x="6378744" y="3066796"/>
-            <a:ext cx="5354995" cy="7309644"/>
+            <a:off x="9112836" y="2874937"/>
+            <a:ext cx="7650282" cy="6852350"/>
           </a:xfrm>
         </p:spPr>
         <p:txBody>
@@ -1680,7 +1682,7 @@
           <a:p>
             <a:fld id="{CA1BB51F-BFC6-4DD3-8C2A-5B21FD6F69C3}" type="datetimeFigureOut">
               <a:rPr lang="en-SE" smtClean="0"/>
-              <a:t>10/04/2023</a:t>
+              <a:t>10/03/2023</a:t>
             </a:fld>
             <a:endParaRPr lang="en-SE"/>
           </a:p>
@@ -1731,7 +1733,7 @@
     </p:spTree>
     <p:extLst>
       <p:ext uri="{BB962C8B-B14F-4D97-AF65-F5344CB8AC3E}">
-        <p14:creationId xmlns:p14="http://schemas.microsoft.com/office/powerpoint/2010/main" val="2727939842"/>
+        <p14:creationId xmlns:p14="http://schemas.microsoft.com/office/powerpoint/2010/main" val="1976222886"/>
       </p:ext>
     </p:extLst>
   </p:cSld>
@@ -1770,8 +1772,8 @@
         </p:nvSpPr>
         <p:spPr>
           <a:xfrm>
-            <a:off x="867890" y="613362"/>
-            <a:ext cx="10867490" cy="2226762"/>
+            <a:off x="1239890" y="574988"/>
+            <a:ext cx="15525572" cy="2087455"/>
           </a:xfrm>
         </p:spPr>
         <p:txBody>
@@ -1798,8 +1800,8 @@
         </p:nvSpPr>
         <p:spPr>
           <a:xfrm>
-            <a:off x="867892" y="2824120"/>
-            <a:ext cx="5330385" cy="1384058"/>
+            <a:off x="1239891" y="2647443"/>
+            <a:ext cx="7615123" cy="1297471"/>
           </a:xfrm>
         </p:spPr>
         <p:txBody>
@@ -1807,39 +1809,39 @@
           <a:lstStyle>
             <a:lvl1pPr marL="0" indent="0">
               <a:buNone/>
-              <a:defRPr sz="3307" b="1"/>
+              <a:defRPr sz="3543" b="1"/>
             </a:lvl1pPr>
-            <a:lvl2pPr marL="630022" indent="0">
-              <a:buNone/>
-              <a:defRPr sz="2756" b="1"/>
+            <a:lvl2pPr marL="675010" indent="0">
+              <a:buNone/>
+              <a:defRPr sz="2953" b="1"/>
             </a:lvl2pPr>
-            <a:lvl3pPr marL="1260043" indent="0">
-              <a:buNone/>
-              <a:defRPr sz="2480" b="1"/>
+            <a:lvl3pPr marL="1350020" indent="0">
+              <a:buNone/>
+              <a:defRPr sz="2658" b="1"/>
             </a:lvl3pPr>
-            <a:lvl4pPr marL="1890065" indent="0">
-              <a:buNone/>
-              <a:defRPr sz="2205" b="1"/>
+            <a:lvl4pPr marL="2025030" indent="0">
+              <a:buNone/>
+              <a:defRPr sz="2362" b="1"/>
             </a:lvl4pPr>
-            <a:lvl5pPr marL="2520086" indent="0">
-              <a:buNone/>
-              <a:defRPr sz="2205" b="1"/>
+            <a:lvl5pPr marL="2700040" indent="0">
+              <a:buNone/>
+              <a:defRPr sz="2362" b="1"/>
             </a:lvl5pPr>
-            <a:lvl6pPr marL="3150108" indent="0">
-              <a:buNone/>
-              <a:defRPr sz="2205" b="1"/>
+            <a:lvl6pPr marL="3375050" indent="0">
+              <a:buNone/>
+              <a:defRPr sz="2362" b="1"/>
             </a:lvl6pPr>
-            <a:lvl7pPr marL="3780130" indent="0">
-              <a:buNone/>
-              <a:defRPr sz="2205" b="1"/>
+            <a:lvl7pPr marL="4050060" indent="0">
+              <a:buNone/>
+              <a:defRPr sz="2362" b="1"/>
             </a:lvl7pPr>
-            <a:lvl8pPr marL="4410151" indent="0">
-              <a:buNone/>
-              <a:defRPr sz="2205" b="1"/>
+            <a:lvl8pPr marL="4725071" indent="0">
+              <a:buNone/>
+              <a:defRPr sz="2362" b="1"/>
             </a:lvl8pPr>
-            <a:lvl9pPr marL="5040173" indent="0">
-              <a:buNone/>
-              <a:defRPr sz="2205" b="1"/>
+            <a:lvl9pPr marL="5400081" indent="0">
+              <a:buNone/>
+              <a:defRPr sz="2362" b="1"/>
             </a:lvl9pPr>
           </a:lstStyle>
           <a:p>
@@ -1863,8 +1865,8 @@
         </p:nvSpPr>
         <p:spPr>
           <a:xfrm>
-            <a:off x="867892" y="4208178"/>
-            <a:ext cx="5330385" cy="6189596"/>
+            <a:off x="1239891" y="3944914"/>
+            <a:ext cx="7615123" cy="5802373"/>
           </a:xfrm>
         </p:spPr>
         <p:txBody>
@@ -1920,8 +1922,8 @@
         </p:nvSpPr>
         <p:spPr>
           <a:xfrm>
-            <a:off x="6378745" y="2824120"/>
-            <a:ext cx="5356636" cy="1384058"/>
+            <a:off x="9112836" y="2647443"/>
+            <a:ext cx="7652626" cy="1297471"/>
           </a:xfrm>
         </p:spPr>
         <p:txBody>
@@ -1929,39 +1931,39 @@
           <a:lstStyle>
             <a:lvl1pPr marL="0" indent="0">
               <a:buNone/>
-              <a:defRPr sz="3307" b="1"/>
+              <a:defRPr sz="3543" b="1"/>
             </a:lvl1pPr>
-            <a:lvl2pPr marL="630022" indent="0">
-              <a:buNone/>
-              <a:defRPr sz="2756" b="1"/>
+            <a:lvl2pPr marL="675010" indent="0">
+              <a:buNone/>
+              <a:defRPr sz="2953" b="1"/>
             </a:lvl2pPr>
-            <a:lvl3pPr marL="1260043" indent="0">
-              <a:buNone/>
-              <a:defRPr sz="2480" b="1"/>
+            <a:lvl3pPr marL="1350020" indent="0">
+              <a:buNone/>
+              <a:defRPr sz="2658" b="1"/>
             </a:lvl3pPr>
-            <a:lvl4pPr marL="1890065" indent="0">
-              <a:buNone/>
-              <a:defRPr sz="2205" b="1"/>
+            <a:lvl4pPr marL="2025030" indent="0">
+              <a:buNone/>
+              <a:defRPr sz="2362" b="1"/>
             </a:lvl4pPr>
-            <a:lvl5pPr marL="2520086" indent="0">
-              <a:buNone/>
-              <a:defRPr sz="2205" b="1"/>
+            <a:lvl5pPr marL="2700040" indent="0">
+              <a:buNone/>
+              <a:defRPr sz="2362" b="1"/>
             </a:lvl5pPr>
-            <a:lvl6pPr marL="3150108" indent="0">
-              <a:buNone/>
-              <a:defRPr sz="2205" b="1"/>
+            <a:lvl6pPr marL="3375050" indent="0">
+              <a:buNone/>
+              <a:defRPr sz="2362" b="1"/>
             </a:lvl6pPr>
-            <a:lvl7pPr marL="3780130" indent="0">
-              <a:buNone/>
-              <a:defRPr sz="2205" b="1"/>
+            <a:lvl7pPr marL="4050060" indent="0">
+              <a:buNone/>
+              <a:defRPr sz="2362" b="1"/>
             </a:lvl7pPr>
-            <a:lvl8pPr marL="4410151" indent="0">
-              <a:buNone/>
-              <a:defRPr sz="2205" b="1"/>
+            <a:lvl8pPr marL="4725071" indent="0">
+              <a:buNone/>
+              <a:defRPr sz="2362" b="1"/>
             </a:lvl8pPr>
-            <a:lvl9pPr marL="5040173" indent="0">
-              <a:buNone/>
-              <a:defRPr sz="2205" b="1"/>
+            <a:lvl9pPr marL="5400081" indent="0">
+              <a:buNone/>
+              <a:defRPr sz="2362" b="1"/>
             </a:lvl9pPr>
           </a:lstStyle>
           <a:p>
@@ -1985,8 +1987,8 @@
         </p:nvSpPr>
         <p:spPr>
           <a:xfrm>
-            <a:off x="6378745" y="4208178"/>
-            <a:ext cx="5356636" cy="6189596"/>
+            <a:off x="9112836" y="3944914"/>
+            <a:ext cx="7652626" cy="5802373"/>
           </a:xfrm>
         </p:spPr>
         <p:txBody>
@@ -2047,7 +2049,7 @@
           <a:p>
             <a:fld id="{CA1BB51F-BFC6-4DD3-8C2A-5B21FD6F69C3}" type="datetimeFigureOut">
               <a:rPr lang="en-SE" smtClean="0"/>
-              <a:t>10/04/2023</a:t>
+              <a:t>10/03/2023</a:t>
             </a:fld>
             <a:endParaRPr lang="en-SE"/>
           </a:p>
@@ -2098,7 +2100,7 @@
     </p:spTree>
     <p:extLst>
       <p:ext uri="{BB962C8B-B14F-4D97-AF65-F5344CB8AC3E}">
-        <p14:creationId xmlns:p14="http://schemas.microsoft.com/office/powerpoint/2010/main" val="1296800776"/>
+        <p14:creationId xmlns:p14="http://schemas.microsoft.com/office/powerpoint/2010/main" val="1212896428"/>
       </p:ext>
     </p:extLst>
   </p:cSld>
@@ -2165,7 +2167,7 @@
           <a:p>
             <a:fld id="{CA1BB51F-BFC6-4DD3-8C2A-5B21FD6F69C3}" type="datetimeFigureOut">
               <a:rPr lang="en-SE" smtClean="0"/>
-              <a:t>10/04/2023</a:t>
+              <a:t>10/03/2023</a:t>
             </a:fld>
             <a:endParaRPr lang="en-SE"/>
           </a:p>
@@ -2216,7 +2218,7 @@
     </p:spTree>
     <p:extLst>
       <p:ext uri="{BB962C8B-B14F-4D97-AF65-F5344CB8AC3E}">
-        <p14:creationId xmlns:p14="http://schemas.microsoft.com/office/powerpoint/2010/main" val="3045066619"/>
+        <p14:creationId xmlns:p14="http://schemas.microsoft.com/office/powerpoint/2010/main" val="4079964032"/>
       </p:ext>
     </p:extLst>
   </p:cSld>
@@ -2260,7 +2262,7 @@
           <a:p>
             <a:fld id="{CA1BB51F-BFC6-4DD3-8C2A-5B21FD6F69C3}" type="datetimeFigureOut">
               <a:rPr lang="en-SE" smtClean="0"/>
-              <a:t>10/04/2023</a:t>
+              <a:t>10/03/2023</a:t>
             </a:fld>
             <a:endParaRPr lang="en-SE"/>
           </a:p>
@@ -2311,7 +2313,7 @@
     </p:spTree>
     <p:extLst>
       <p:ext uri="{BB962C8B-B14F-4D97-AF65-F5344CB8AC3E}">
-        <p14:creationId xmlns:p14="http://schemas.microsoft.com/office/powerpoint/2010/main" val="1796602714"/>
+        <p14:creationId xmlns:p14="http://schemas.microsoft.com/office/powerpoint/2010/main" val="1487332099"/>
       </p:ext>
     </p:extLst>
   </p:cSld>
@@ -2350,15 +2352,15 @@
         </p:nvSpPr>
         <p:spPr>
           <a:xfrm>
-            <a:off x="867890" y="768032"/>
-            <a:ext cx="4063824" cy="2688114"/>
+            <a:off x="1239891" y="719984"/>
+            <a:ext cx="5805682" cy="2519945"/>
           </a:xfrm>
         </p:spPr>
         <p:txBody>
           <a:bodyPr anchor="b"/>
           <a:lstStyle>
             <a:lvl1pPr>
-              <a:defRPr sz="4410"/>
+              <a:defRPr sz="4724"/>
             </a:lvl1pPr>
           </a:lstStyle>
           <a:p>
@@ -2382,39 +2384,39 @@
         </p:nvSpPr>
         <p:spPr>
           <a:xfrm>
-            <a:off x="5356636" y="1658740"/>
-            <a:ext cx="6378744" cy="8187013"/>
+            <a:off x="7652626" y="1554966"/>
+            <a:ext cx="9112836" cy="7674832"/>
           </a:xfrm>
         </p:spPr>
         <p:txBody>
           <a:bodyPr/>
           <a:lstStyle>
             <a:lvl1pPr>
-              <a:defRPr sz="4410"/>
+              <a:defRPr sz="4724"/>
             </a:lvl1pPr>
             <a:lvl2pPr>
-              <a:defRPr sz="3858"/>
+              <a:defRPr sz="4134"/>
             </a:lvl2pPr>
             <a:lvl3pPr>
-              <a:defRPr sz="3307"/>
+              <a:defRPr sz="3543"/>
             </a:lvl3pPr>
             <a:lvl4pPr>
-              <a:defRPr sz="2756"/>
+              <a:defRPr sz="2953"/>
             </a:lvl4pPr>
             <a:lvl5pPr>
-              <a:defRPr sz="2756"/>
+              <a:defRPr sz="2953"/>
             </a:lvl5pPr>
             <a:lvl6pPr>
-              <a:defRPr sz="2756"/>
+              <a:defRPr sz="2953"/>
             </a:lvl6pPr>
             <a:lvl7pPr>
-              <a:defRPr sz="2756"/>
+              <a:defRPr sz="2953"/>
             </a:lvl7pPr>
             <a:lvl8pPr>
-              <a:defRPr sz="2756"/>
+              <a:defRPr sz="2953"/>
             </a:lvl8pPr>
             <a:lvl9pPr>
-              <a:defRPr sz="2756"/>
+              <a:defRPr sz="2953"/>
             </a:lvl9pPr>
           </a:lstStyle>
           <a:p>
@@ -2467,8 +2469,8 @@
         </p:nvSpPr>
         <p:spPr>
           <a:xfrm>
-            <a:off x="867890" y="3456146"/>
-            <a:ext cx="4063824" cy="6402939"/>
+            <a:off x="1239891" y="3239929"/>
+            <a:ext cx="5805682" cy="6002369"/>
           </a:xfrm>
         </p:spPr>
         <p:txBody>
@@ -2476,39 +2478,39 @@
           <a:lstStyle>
             <a:lvl1pPr marL="0" indent="0">
               <a:buNone/>
-              <a:defRPr sz="2205"/>
+              <a:defRPr sz="2362"/>
             </a:lvl1pPr>
-            <a:lvl2pPr marL="630022" indent="0">
-              <a:buNone/>
-              <a:defRPr sz="1929"/>
+            <a:lvl2pPr marL="675010" indent="0">
+              <a:buNone/>
+              <a:defRPr sz="2067"/>
             </a:lvl2pPr>
-            <a:lvl3pPr marL="1260043" indent="0">
-              <a:buNone/>
-              <a:defRPr sz="1654"/>
+            <a:lvl3pPr marL="1350020" indent="0">
+              <a:buNone/>
+              <a:defRPr sz="1772"/>
             </a:lvl3pPr>
-            <a:lvl4pPr marL="1890065" indent="0">
-              <a:buNone/>
-              <a:defRPr sz="1378"/>
+            <a:lvl4pPr marL="2025030" indent="0">
+              <a:buNone/>
+              <a:defRPr sz="1476"/>
             </a:lvl4pPr>
-            <a:lvl5pPr marL="2520086" indent="0">
-              <a:buNone/>
-              <a:defRPr sz="1378"/>
+            <a:lvl5pPr marL="2700040" indent="0">
+              <a:buNone/>
+              <a:defRPr sz="1476"/>
             </a:lvl5pPr>
-            <a:lvl6pPr marL="3150108" indent="0">
-              <a:buNone/>
-              <a:defRPr sz="1378"/>
+            <a:lvl6pPr marL="3375050" indent="0">
+              <a:buNone/>
+              <a:defRPr sz="1476"/>
             </a:lvl6pPr>
-            <a:lvl7pPr marL="3780130" indent="0">
-              <a:buNone/>
-              <a:defRPr sz="1378"/>
+            <a:lvl7pPr marL="4050060" indent="0">
+              <a:buNone/>
+              <a:defRPr sz="1476"/>
             </a:lvl7pPr>
-            <a:lvl8pPr marL="4410151" indent="0">
-              <a:buNone/>
-              <a:defRPr sz="1378"/>
+            <a:lvl8pPr marL="4725071" indent="0">
+              <a:buNone/>
+              <a:defRPr sz="1476"/>
             </a:lvl8pPr>
-            <a:lvl9pPr marL="5040173" indent="0">
-              <a:buNone/>
-              <a:defRPr sz="1378"/>
+            <a:lvl9pPr marL="5400081" indent="0">
+              <a:buNone/>
+              <a:defRPr sz="1476"/>
             </a:lvl9pPr>
           </a:lstStyle>
           <a:p>
@@ -2537,7 +2539,7 @@
           <a:p>
             <a:fld id="{CA1BB51F-BFC6-4DD3-8C2A-5B21FD6F69C3}" type="datetimeFigureOut">
               <a:rPr lang="en-SE" smtClean="0"/>
-              <a:t>10/04/2023</a:t>
+              <a:t>10/03/2023</a:t>
             </a:fld>
             <a:endParaRPr lang="en-SE"/>
           </a:p>
@@ -2588,7 +2590,7 @@
     </p:spTree>
     <p:extLst>
       <p:ext uri="{BB962C8B-B14F-4D97-AF65-F5344CB8AC3E}">
-        <p14:creationId xmlns:p14="http://schemas.microsoft.com/office/powerpoint/2010/main" val="936623140"/>
+        <p14:creationId xmlns:p14="http://schemas.microsoft.com/office/powerpoint/2010/main" val="833728847"/>
       </p:ext>
     </p:extLst>
   </p:cSld>
@@ -2627,15 +2629,15 @@
         </p:nvSpPr>
         <p:spPr>
           <a:xfrm>
-            <a:off x="867890" y="768032"/>
-            <a:ext cx="4063824" cy="2688114"/>
+            <a:off x="1239891" y="719984"/>
+            <a:ext cx="5805682" cy="2519945"/>
           </a:xfrm>
         </p:spPr>
         <p:txBody>
           <a:bodyPr anchor="b"/>
           <a:lstStyle>
             <a:lvl1pPr>
-              <a:defRPr sz="4410"/>
+              <a:defRPr sz="4724"/>
             </a:lvl1pPr>
           </a:lstStyle>
           <a:p>
@@ -2659,8 +2661,8 @@
         </p:nvSpPr>
         <p:spPr>
           <a:xfrm>
-            <a:off x="5356636" y="1658740"/>
-            <a:ext cx="6378744" cy="8187013"/>
+            <a:off x="7652626" y="1554966"/>
+            <a:ext cx="9112836" cy="7674832"/>
           </a:xfrm>
         </p:spPr>
         <p:txBody>
@@ -2668,39 +2670,39 @@
           <a:lstStyle>
             <a:lvl1pPr marL="0" indent="0">
               <a:buNone/>
-              <a:defRPr sz="4410"/>
+              <a:defRPr sz="4724"/>
             </a:lvl1pPr>
-            <a:lvl2pPr marL="630022" indent="0">
-              <a:buNone/>
-              <a:defRPr sz="3858"/>
+            <a:lvl2pPr marL="675010" indent="0">
+              <a:buNone/>
+              <a:defRPr sz="4134"/>
             </a:lvl2pPr>
-            <a:lvl3pPr marL="1260043" indent="0">
-              <a:buNone/>
-              <a:defRPr sz="3307"/>
+            <a:lvl3pPr marL="1350020" indent="0">
+              <a:buNone/>
+              <a:defRPr sz="3543"/>
             </a:lvl3pPr>
-            <a:lvl4pPr marL="1890065" indent="0">
-              <a:buNone/>
-              <a:defRPr sz="2756"/>
+            <a:lvl4pPr marL="2025030" indent="0">
+              <a:buNone/>
+              <a:defRPr sz="2953"/>
             </a:lvl4pPr>
-            <a:lvl5pPr marL="2520086" indent="0">
-              <a:buNone/>
-              <a:defRPr sz="2756"/>
+            <a:lvl5pPr marL="2700040" indent="0">
+              <a:buNone/>
+              <a:defRPr sz="2953"/>
             </a:lvl5pPr>
-            <a:lvl6pPr marL="3150108" indent="0">
-              <a:buNone/>
-              <a:defRPr sz="2756"/>
+            <a:lvl6pPr marL="3375050" indent="0">
+              <a:buNone/>
+              <a:defRPr sz="2953"/>
             </a:lvl6pPr>
-            <a:lvl7pPr marL="3780130" indent="0">
-              <a:buNone/>
-              <a:defRPr sz="2756"/>
+            <a:lvl7pPr marL="4050060" indent="0">
+              <a:buNone/>
+              <a:defRPr sz="2953"/>
             </a:lvl7pPr>
-            <a:lvl8pPr marL="4410151" indent="0">
-              <a:buNone/>
-              <a:defRPr sz="2756"/>
+            <a:lvl8pPr marL="4725071" indent="0">
+              <a:buNone/>
+              <a:defRPr sz="2953"/>
             </a:lvl8pPr>
-            <a:lvl9pPr marL="5040173" indent="0">
-              <a:buNone/>
-              <a:defRPr sz="2756"/>
+            <a:lvl9pPr marL="5400081" indent="0">
+              <a:buNone/>
+              <a:defRPr sz="2953"/>
             </a:lvl9pPr>
           </a:lstStyle>
           <a:p>
@@ -2724,8 +2726,8 @@
         </p:nvSpPr>
         <p:spPr>
           <a:xfrm>
-            <a:off x="867890" y="3456146"/>
-            <a:ext cx="4063824" cy="6402939"/>
+            <a:off x="1239891" y="3239929"/>
+            <a:ext cx="5805682" cy="6002369"/>
           </a:xfrm>
         </p:spPr>
         <p:txBody>
@@ -2733,39 +2735,39 @@
           <a:lstStyle>
             <a:lvl1pPr marL="0" indent="0">
               <a:buNone/>
-              <a:defRPr sz="2205"/>
+              <a:defRPr sz="2362"/>
             </a:lvl1pPr>
-            <a:lvl2pPr marL="630022" indent="0">
-              <a:buNone/>
-              <a:defRPr sz="1929"/>
+            <a:lvl2pPr marL="675010" indent="0">
+              <a:buNone/>
+              <a:defRPr sz="2067"/>
             </a:lvl2pPr>
-            <a:lvl3pPr marL="1260043" indent="0">
-              <a:buNone/>
-              <a:defRPr sz="1654"/>
+            <a:lvl3pPr marL="1350020" indent="0">
+              <a:buNone/>
+              <a:defRPr sz="1772"/>
             </a:lvl3pPr>
-            <a:lvl4pPr marL="1890065" indent="0">
-              <a:buNone/>
-              <a:defRPr sz="1378"/>
+            <a:lvl4pPr marL="2025030" indent="0">
+              <a:buNone/>
+              <a:defRPr sz="1476"/>
             </a:lvl4pPr>
-            <a:lvl5pPr marL="2520086" indent="0">
-              <a:buNone/>
-              <a:defRPr sz="1378"/>
+            <a:lvl5pPr marL="2700040" indent="0">
+              <a:buNone/>
+              <a:defRPr sz="1476"/>
             </a:lvl5pPr>
-            <a:lvl6pPr marL="3150108" indent="0">
-              <a:buNone/>
-              <a:defRPr sz="1378"/>
+            <a:lvl6pPr marL="3375050" indent="0">
+              <a:buNone/>
+              <a:defRPr sz="1476"/>
             </a:lvl6pPr>
-            <a:lvl7pPr marL="3780130" indent="0">
-              <a:buNone/>
-              <a:defRPr sz="1378"/>
+            <a:lvl7pPr marL="4050060" indent="0">
+              <a:buNone/>
+              <a:defRPr sz="1476"/>
             </a:lvl7pPr>
-            <a:lvl8pPr marL="4410151" indent="0">
-              <a:buNone/>
-              <a:defRPr sz="1378"/>
+            <a:lvl8pPr marL="4725071" indent="0">
+              <a:buNone/>
+              <a:defRPr sz="1476"/>
             </a:lvl8pPr>
-            <a:lvl9pPr marL="5040173" indent="0">
-              <a:buNone/>
-              <a:defRPr sz="1378"/>
+            <a:lvl9pPr marL="5400081" indent="0">
+              <a:buNone/>
+              <a:defRPr sz="1476"/>
             </a:lvl9pPr>
           </a:lstStyle>
           <a:p>
@@ -2794,7 +2796,7 @@
           <a:p>
             <a:fld id="{CA1BB51F-BFC6-4DD3-8C2A-5B21FD6F69C3}" type="datetimeFigureOut">
               <a:rPr lang="en-SE" smtClean="0"/>
-              <a:t>10/04/2023</a:t>
+              <a:t>10/03/2023</a:t>
             </a:fld>
             <a:endParaRPr lang="en-SE"/>
           </a:p>
@@ -2845,7 +2847,7 @@
     </p:spTree>
     <p:extLst>
       <p:ext uri="{BB962C8B-B14F-4D97-AF65-F5344CB8AC3E}">
-        <p14:creationId xmlns:p14="http://schemas.microsoft.com/office/powerpoint/2010/main" val="1558201348"/>
+        <p14:creationId xmlns:p14="http://schemas.microsoft.com/office/powerpoint/2010/main" val="1779672975"/>
       </p:ext>
     </p:extLst>
   </p:cSld>
@@ -2889,8 +2891,8 @@
         </p:nvSpPr>
         <p:spPr>
           <a:xfrm>
-            <a:off x="866249" y="613362"/>
-            <a:ext cx="10867490" cy="2226762"/>
+            <a:off x="1237546" y="574988"/>
+            <a:ext cx="15525572" cy="2087455"/>
           </a:xfrm>
           <a:prstGeom prst="rect">
             <a:avLst/>
@@ -2922,8 +2924,8 @@
         </p:nvSpPr>
         <p:spPr>
           <a:xfrm>
-            <a:off x="866249" y="3066796"/>
-            <a:ext cx="10867490" cy="7309644"/>
+            <a:off x="1237546" y="2874937"/>
+            <a:ext cx="15525572" cy="6852350"/>
           </a:xfrm>
           <a:prstGeom prst="rect">
             <a:avLst/>
@@ -2984,8 +2986,8 @@
         </p:nvSpPr>
         <p:spPr>
           <a:xfrm>
-            <a:off x="866249" y="10677788"/>
-            <a:ext cx="2834997" cy="613359"/>
+            <a:off x="1237546" y="10009781"/>
+            <a:ext cx="4050149" cy="574987"/>
           </a:xfrm>
           <a:prstGeom prst="rect">
             <a:avLst/>
@@ -2995,7 +2997,7 @@
           <a:bodyPr vert="horz" lIns="91440" tIns="45720" rIns="91440" bIns="45720" rtlCol="0" anchor="ctr"/>
           <a:lstStyle>
             <a:lvl1pPr algn="l">
-              <a:defRPr sz="1654">
+              <a:defRPr sz="1772">
                 <a:solidFill>
                   <a:schemeClr val="tx1">
                     <a:tint val="75000"/>
@@ -3007,7 +3009,7 @@
           <a:p>
             <a:fld id="{CA1BB51F-BFC6-4DD3-8C2A-5B21FD6F69C3}" type="datetimeFigureOut">
               <a:rPr lang="en-SE" smtClean="0"/>
-              <a:t>10/04/2023</a:t>
+              <a:t>10/03/2023</a:t>
             </a:fld>
             <a:endParaRPr lang="en-SE"/>
           </a:p>
@@ -3025,8 +3027,8 @@
         </p:nvSpPr>
         <p:spPr>
           <a:xfrm>
-            <a:off x="4173746" y="10677788"/>
-            <a:ext cx="4252496" cy="613359"/>
+            <a:off x="5962720" y="10009781"/>
+            <a:ext cx="6075224" cy="574987"/>
           </a:xfrm>
           <a:prstGeom prst="rect">
             <a:avLst/>
@@ -3036,7 +3038,7 @@
           <a:bodyPr vert="horz" lIns="91440" tIns="45720" rIns="91440" bIns="45720" rtlCol="0" anchor="ctr"/>
           <a:lstStyle>
             <a:lvl1pPr algn="ctr">
-              <a:defRPr sz="1654">
+              <a:defRPr sz="1772">
                 <a:solidFill>
                   <a:schemeClr val="tx1">
                     <a:tint val="75000"/>
@@ -3062,8 +3064,8 @@
         </p:nvSpPr>
         <p:spPr>
           <a:xfrm>
-            <a:off x="8898742" y="10677788"/>
-            <a:ext cx="2834997" cy="613359"/>
+            <a:off x="12712968" y="10009781"/>
+            <a:ext cx="4050149" cy="574987"/>
           </a:xfrm>
           <a:prstGeom prst="rect">
             <a:avLst/>
@@ -3073,7 +3075,7 @@
           <a:bodyPr vert="horz" lIns="91440" tIns="45720" rIns="91440" bIns="45720" rtlCol="0" anchor="ctr"/>
           <a:lstStyle>
             <a:lvl1pPr algn="r">
-              <a:defRPr sz="1654">
+              <a:defRPr sz="1772">
                 <a:solidFill>
                   <a:schemeClr val="tx1">
                     <a:tint val="75000"/>
@@ -3094,27 +3096,27 @@
     </p:spTree>
     <p:extLst>
       <p:ext uri="{BB962C8B-B14F-4D97-AF65-F5344CB8AC3E}">
-        <p14:creationId xmlns:p14="http://schemas.microsoft.com/office/powerpoint/2010/main" val="2981973872"/>
+        <p14:creationId xmlns:p14="http://schemas.microsoft.com/office/powerpoint/2010/main" val="1779755819"/>
       </p:ext>
     </p:extLst>
   </p:cSld>
   <p:clrMap bg1="lt1" tx1="dk1" bg2="lt2" tx2="dk2" accent1="accent1" accent2="accent2" accent3="accent3" accent4="accent4" accent5="accent5" accent6="accent6" hlink="hlink" folHlink="folHlink"/>
   <p:sldLayoutIdLst>
-    <p:sldLayoutId id="2147483805" r:id="rId1"/>
-    <p:sldLayoutId id="2147483806" r:id="rId2"/>
-    <p:sldLayoutId id="2147483807" r:id="rId3"/>
-    <p:sldLayoutId id="2147483808" r:id="rId4"/>
-    <p:sldLayoutId id="2147483809" r:id="rId5"/>
-    <p:sldLayoutId id="2147483810" r:id="rId6"/>
-    <p:sldLayoutId id="2147483811" r:id="rId7"/>
-    <p:sldLayoutId id="2147483812" r:id="rId8"/>
-    <p:sldLayoutId id="2147483813" r:id="rId9"/>
-    <p:sldLayoutId id="2147483814" r:id="rId10"/>
-    <p:sldLayoutId id="2147483815" r:id="rId11"/>
+    <p:sldLayoutId id="2147483733" r:id="rId1"/>
+    <p:sldLayoutId id="2147483734" r:id="rId2"/>
+    <p:sldLayoutId id="2147483735" r:id="rId3"/>
+    <p:sldLayoutId id="2147483736" r:id="rId4"/>
+    <p:sldLayoutId id="2147483737" r:id="rId5"/>
+    <p:sldLayoutId id="2147483738" r:id="rId6"/>
+    <p:sldLayoutId id="2147483739" r:id="rId7"/>
+    <p:sldLayoutId id="2147483740" r:id="rId8"/>
+    <p:sldLayoutId id="2147483741" r:id="rId9"/>
+    <p:sldLayoutId id="2147483742" r:id="rId10"/>
+    <p:sldLayoutId id="2147483743" r:id="rId11"/>
   </p:sldLayoutIdLst>
   <p:txStyles>
     <p:titleStyle>
-      <a:lvl1pPr algn="l" defTabSz="1260043" rtl="0" eaLnBrk="1" latinLnBrk="0" hangingPunct="1">
+      <a:lvl1pPr algn="l" defTabSz="1350020" rtl="0" eaLnBrk="1" latinLnBrk="0" hangingPunct="1">
         <a:lnSpc>
           <a:spcPct val="90000"/>
         </a:lnSpc>
@@ -3122,7 +3124,7 @@
           <a:spcPct val="0"/>
         </a:spcBef>
         <a:buNone/>
-        <a:defRPr sz="6063" kern="1200">
+        <a:defRPr sz="6496" kern="1200">
           <a:solidFill>
             <a:schemeClr val="tx1"/>
           </a:solidFill>
@@ -3133,16 +3135,16 @@
       </a:lvl1pPr>
     </p:titleStyle>
     <p:bodyStyle>
-      <a:lvl1pPr marL="315011" indent="-315011" algn="l" defTabSz="1260043" rtl="0" eaLnBrk="1" latinLnBrk="0" hangingPunct="1">
+      <a:lvl1pPr marL="337505" indent="-337505" algn="l" defTabSz="1350020" rtl="0" eaLnBrk="1" latinLnBrk="0" hangingPunct="1">
         <a:lnSpc>
           <a:spcPct val="90000"/>
         </a:lnSpc>
         <a:spcBef>
-          <a:spcPts val="1378"/>
+          <a:spcPts val="1476"/>
         </a:spcBef>
         <a:buFont typeface="Arial" panose="020B0604020202020204" pitchFamily="34" charset="0"/>
         <a:buChar char="•"/>
-        <a:defRPr sz="3858" kern="1200">
+        <a:defRPr sz="4134" kern="1200">
           <a:solidFill>
             <a:schemeClr val="tx1"/>
           </a:solidFill>
@@ -3151,16 +3153,16 @@
           <a:cs typeface="+mn-cs"/>
         </a:defRPr>
       </a:lvl1pPr>
-      <a:lvl2pPr marL="945032" indent="-315011" algn="l" defTabSz="1260043" rtl="0" eaLnBrk="1" latinLnBrk="0" hangingPunct="1">
+      <a:lvl2pPr marL="1012515" indent="-337505" algn="l" defTabSz="1350020" rtl="0" eaLnBrk="1" latinLnBrk="0" hangingPunct="1">
         <a:lnSpc>
           <a:spcPct val="90000"/>
         </a:lnSpc>
         <a:spcBef>
-          <a:spcPts val="689"/>
+          <a:spcPts val="738"/>
         </a:spcBef>
         <a:buFont typeface="Arial" panose="020B0604020202020204" pitchFamily="34" charset="0"/>
         <a:buChar char="•"/>
-        <a:defRPr sz="3307" kern="1200">
+        <a:defRPr sz="3543" kern="1200">
           <a:solidFill>
             <a:schemeClr val="tx1"/>
           </a:solidFill>
@@ -3169,16 +3171,16 @@
           <a:cs typeface="+mn-cs"/>
         </a:defRPr>
       </a:lvl2pPr>
-      <a:lvl3pPr marL="1575054" indent="-315011" algn="l" defTabSz="1260043" rtl="0" eaLnBrk="1" latinLnBrk="0" hangingPunct="1">
+      <a:lvl3pPr marL="1687525" indent="-337505" algn="l" defTabSz="1350020" rtl="0" eaLnBrk="1" latinLnBrk="0" hangingPunct="1">
         <a:lnSpc>
           <a:spcPct val="90000"/>
         </a:lnSpc>
         <a:spcBef>
-          <a:spcPts val="689"/>
+          <a:spcPts val="738"/>
         </a:spcBef>
         <a:buFont typeface="Arial" panose="020B0604020202020204" pitchFamily="34" charset="0"/>
         <a:buChar char="•"/>
-        <a:defRPr sz="2756" kern="1200">
+        <a:defRPr sz="2953" kern="1200">
           <a:solidFill>
             <a:schemeClr val="tx1"/>
           </a:solidFill>
@@ -3187,16 +3189,16 @@
           <a:cs typeface="+mn-cs"/>
         </a:defRPr>
       </a:lvl3pPr>
-      <a:lvl4pPr marL="2205076" indent="-315011" algn="l" defTabSz="1260043" rtl="0" eaLnBrk="1" latinLnBrk="0" hangingPunct="1">
+      <a:lvl4pPr marL="2362535" indent="-337505" algn="l" defTabSz="1350020" rtl="0" eaLnBrk="1" latinLnBrk="0" hangingPunct="1">
         <a:lnSpc>
           <a:spcPct val="90000"/>
         </a:lnSpc>
         <a:spcBef>
-          <a:spcPts val="689"/>
+          <a:spcPts val="738"/>
         </a:spcBef>
         <a:buFont typeface="Arial" panose="020B0604020202020204" pitchFamily="34" charset="0"/>
         <a:buChar char="•"/>
-        <a:defRPr sz="2480" kern="1200">
+        <a:defRPr sz="2658" kern="1200">
           <a:solidFill>
             <a:schemeClr val="tx1"/>
           </a:solidFill>
@@ -3205,16 +3207,16 @@
           <a:cs typeface="+mn-cs"/>
         </a:defRPr>
       </a:lvl4pPr>
-      <a:lvl5pPr marL="2835097" indent="-315011" algn="l" defTabSz="1260043" rtl="0" eaLnBrk="1" latinLnBrk="0" hangingPunct="1">
+      <a:lvl5pPr marL="3037545" indent="-337505" algn="l" defTabSz="1350020" rtl="0" eaLnBrk="1" latinLnBrk="0" hangingPunct="1">
         <a:lnSpc>
           <a:spcPct val="90000"/>
         </a:lnSpc>
         <a:spcBef>
-          <a:spcPts val="689"/>
+          <a:spcPts val="738"/>
         </a:spcBef>
         <a:buFont typeface="Arial" panose="020B0604020202020204" pitchFamily="34" charset="0"/>
         <a:buChar char="•"/>
-        <a:defRPr sz="2480" kern="1200">
+        <a:defRPr sz="2658" kern="1200">
           <a:solidFill>
             <a:schemeClr val="tx1"/>
           </a:solidFill>
@@ -3223,16 +3225,16 @@
           <a:cs typeface="+mn-cs"/>
         </a:defRPr>
       </a:lvl5pPr>
-      <a:lvl6pPr marL="3465119" indent="-315011" algn="l" defTabSz="1260043" rtl="0" eaLnBrk="1" latinLnBrk="0" hangingPunct="1">
+      <a:lvl6pPr marL="3712555" indent="-337505" algn="l" defTabSz="1350020" rtl="0" eaLnBrk="1" latinLnBrk="0" hangingPunct="1">
         <a:lnSpc>
           <a:spcPct val="90000"/>
         </a:lnSpc>
         <a:spcBef>
-          <a:spcPts val="689"/>
+          <a:spcPts val="738"/>
         </a:spcBef>
         <a:buFont typeface="Arial" panose="020B0604020202020204" pitchFamily="34" charset="0"/>
         <a:buChar char="•"/>
-        <a:defRPr sz="2480" kern="1200">
+        <a:defRPr sz="2658" kern="1200">
           <a:solidFill>
             <a:schemeClr val="tx1"/>
           </a:solidFill>
@@ -3241,16 +3243,16 @@
           <a:cs typeface="+mn-cs"/>
         </a:defRPr>
       </a:lvl6pPr>
-      <a:lvl7pPr marL="4095140" indent="-315011" algn="l" defTabSz="1260043" rtl="0" eaLnBrk="1" latinLnBrk="0" hangingPunct="1">
+      <a:lvl7pPr marL="4387566" indent="-337505" algn="l" defTabSz="1350020" rtl="0" eaLnBrk="1" latinLnBrk="0" hangingPunct="1">
         <a:lnSpc>
           <a:spcPct val="90000"/>
         </a:lnSpc>
         <a:spcBef>
-          <a:spcPts val="689"/>
+          <a:spcPts val="738"/>
         </a:spcBef>
         <a:buFont typeface="Arial" panose="020B0604020202020204" pitchFamily="34" charset="0"/>
         <a:buChar char="•"/>
-        <a:defRPr sz="2480" kern="1200">
+        <a:defRPr sz="2658" kern="1200">
           <a:solidFill>
             <a:schemeClr val="tx1"/>
           </a:solidFill>
@@ -3259,16 +3261,16 @@
           <a:cs typeface="+mn-cs"/>
         </a:defRPr>
       </a:lvl7pPr>
-      <a:lvl8pPr marL="4725162" indent="-315011" algn="l" defTabSz="1260043" rtl="0" eaLnBrk="1" latinLnBrk="0" hangingPunct="1">
+      <a:lvl8pPr marL="5062576" indent="-337505" algn="l" defTabSz="1350020" rtl="0" eaLnBrk="1" latinLnBrk="0" hangingPunct="1">
         <a:lnSpc>
           <a:spcPct val="90000"/>
         </a:lnSpc>
         <a:spcBef>
-          <a:spcPts val="689"/>
+          <a:spcPts val="738"/>
         </a:spcBef>
         <a:buFont typeface="Arial" panose="020B0604020202020204" pitchFamily="34" charset="0"/>
         <a:buChar char="•"/>
-        <a:defRPr sz="2480" kern="1200">
+        <a:defRPr sz="2658" kern="1200">
           <a:solidFill>
             <a:schemeClr val="tx1"/>
           </a:solidFill>
@@ -3277,16 +3279,16 @@
           <a:cs typeface="+mn-cs"/>
         </a:defRPr>
       </a:lvl8pPr>
-      <a:lvl9pPr marL="5355184" indent="-315011" algn="l" defTabSz="1260043" rtl="0" eaLnBrk="1" latinLnBrk="0" hangingPunct="1">
+      <a:lvl9pPr marL="5737586" indent="-337505" algn="l" defTabSz="1350020" rtl="0" eaLnBrk="1" latinLnBrk="0" hangingPunct="1">
         <a:lnSpc>
           <a:spcPct val="90000"/>
         </a:lnSpc>
         <a:spcBef>
-          <a:spcPts val="689"/>
+          <a:spcPts val="738"/>
         </a:spcBef>
         <a:buFont typeface="Arial" panose="020B0604020202020204" pitchFamily="34" charset="0"/>
         <a:buChar char="•"/>
-        <a:defRPr sz="2480" kern="1200">
+        <a:defRPr sz="2658" kern="1200">
           <a:solidFill>
             <a:schemeClr val="tx1"/>
           </a:solidFill>
@@ -3300,8 +3302,8 @@
       <a:defPPr>
         <a:defRPr lang="en-US"/>
       </a:defPPr>
-      <a:lvl1pPr marL="0" algn="l" defTabSz="1260043" rtl="0" eaLnBrk="1" latinLnBrk="0" hangingPunct="1">
-        <a:defRPr sz="2480" kern="1200">
+      <a:lvl1pPr marL="0" algn="l" defTabSz="1350020" rtl="0" eaLnBrk="1" latinLnBrk="0" hangingPunct="1">
+        <a:defRPr sz="2658" kern="1200">
           <a:solidFill>
             <a:schemeClr val="tx1"/>
           </a:solidFill>
@@ -3310,8 +3312,8 @@
           <a:cs typeface="+mn-cs"/>
         </a:defRPr>
       </a:lvl1pPr>
-      <a:lvl2pPr marL="630022" algn="l" defTabSz="1260043" rtl="0" eaLnBrk="1" latinLnBrk="0" hangingPunct="1">
-        <a:defRPr sz="2480" kern="1200">
+      <a:lvl2pPr marL="675010" algn="l" defTabSz="1350020" rtl="0" eaLnBrk="1" latinLnBrk="0" hangingPunct="1">
+        <a:defRPr sz="2658" kern="1200">
           <a:solidFill>
             <a:schemeClr val="tx1"/>
           </a:solidFill>
@@ -3320,8 +3322,8 @@
           <a:cs typeface="+mn-cs"/>
         </a:defRPr>
       </a:lvl2pPr>
-      <a:lvl3pPr marL="1260043" algn="l" defTabSz="1260043" rtl="0" eaLnBrk="1" latinLnBrk="0" hangingPunct="1">
-        <a:defRPr sz="2480" kern="1200">
+      <a:lvl3pPr marL="1350020" algn="l" defTabSz="1350020" rtl="0" eaLnBrk="1" latinLnBrk="0" hangingPunct="1">
+        <a:defRPr sz="2658" kern="1200">
           <a:solidFill>
             <a:schemeClr val="tx1"/>
           </a:solidFill>
@@ -3330,8 +3332,8 @@
           <a:cs typeface="+mn-cs"/>
         </a:defRPr>
       </a:lvl3pPr>
-      <a:lvl4pPr marL="1890065" algn="l" defTabSz="1260043" rtl="0" eaLnBrk="1" latinLnBrk="0" hangingPunct="1">
-        <a:defRPr sz="2480" kern="1200">
+      <a:lvl4pPr marL="2025030" algn="l" defTabSz="1350020" rtl="0" eaLnBrk="1" latinLnBrk="0" hangingPunct="1">
+        <a:defRPr sz="2658" kern="1200">
           <a:solidFill>
             <a:schemeClr val="tx1"/>
           </a:solidFill>
@@ -3340,8 +3342,8 @@
           <a:cs typeface="+mn-cs"/>
         </a:defRPr>
       </a:lvl4pPr>
-      <a:lvl5pPr marL="2520086" algn="l" defTabSz="1260043" rtl="0" eaLnBrk="1" latinLnBrk="0" hangingPunct="1">
-        <a:defRPr sz="2480" kern="1200">
+      <a:lvl5pPr marL="2700040" algn="l" defTabSz="1350020" rtl="0" eaLnBrk="1" latinLnBrk="0" hangingPunct="1">
+        <a:defRPr sz="2658" kern="1200">
           <a:solidFill>
             <a:schemeClr val="tx1"/>
           </a:solidFill>
@@ -3350,8 +3352,8 @@
           <a:cs typeface="+mn-cs"/>
         </a:defRPr>
       </a:lvl5pPr>
-      <a:lvl6pPr marL="3150108" algn="l" defTabSz="1260043" rtl="0" eaLnBrk="1" latinLnBrk="0" hangingPunct="1">
-        <a:defRPr sz="2480" kern="1200">
+      <a:lvl6pPr marL="3375050" algn="l" defTabSz="1350020" rtl="0" eaLnBrk="1" latinLnBrk="0" hangingPunct="1">
+        <a:defRPr sz="2658" kern="1200">
           <a:solidFill>
             <a:schemeClr val="tx1"/>
           </a:solidFill>
@@ -3360,8 +3362,8 @@
           <a:cs typeface="+mn-cs"/>
         </a:defRPr>
       </a:lvl6pPr>
-      <a:lvl7pPr marL="3780130" algn="l" defTabSz="1260043" rtl="0" eaLnBrk="1" latinLnBrk="0" hangingPunct="1">
-        <a:defRPr sz="2480" kern="1200">
+      <a:lvl7pPr marL="4050060" algn="l" defTabSz="1350020" rtl="0" eaLnBrk="1" latinLnBrk="0" hangingPunct="1">
+        <a:defRPr sz="2658" kern="1200">
           <a:solidFill>
             <a:schemeClr val="tx1"/>
           </a:solidFill>
@@ -3370,8 +3372,8 @@
           <a:cs typeface="+mn-cs"/>
         </a:defRPr>
       </a:lvl7pPr>
-      <a:lvl8pPr marL="4410151" algn="l" defTabSz="1260043" rtl="0" eaLnBrk="1" latinLnBrk="0" hangingPunct="1">
-        <a:defRPr sz="2480" kern="1200">
+      <a:lvl8pPr marL="4725071" algn="l" defTabSz="1350020" rtl="0" eaLnBrk="1" latinLnBrk="0" hangingPunct="1">
+        <a:defRPr sz="2658" kern="1200">
           <a:solidFill>
             <a:schemeClr val="tx1"/>
           </a:solidFill>
@@ -3380,8 +3382,8 @@
           <a:cs typeface="+mn-cs"/>
         </a:defRPr>
       </a:lvl8pPr>
-      <a:lvl9pPr marL="5040173" algn="l" defTabSz="1260043" rtl="0" eaLnBrk="1" latinLnBrk="0" hangingPunct="1">
-        <a:defRPr sz="2480" kern="1200">
+      <a:lvl9pPr marL="5400081" algn="l" defTabSz="1350020" rtl="0" eaLnBrk="1" latinLnBrk="0" hangingPunct="1">
+        <a:defRPr sz="2658" kern="1200">
           <a:solidFill>
             <a:schemeClr val="tx1"/>
           </a:solidFill>
@@ -3414,10 +3416,10 @@
       </p:grpSpPr>
       <p:pic>
         <p:nvPicPr>
-          <p:cNvPr id="5" name="图片 4">
+          <p:cNvPr id="14" name="图片 13">
             <a:extLst>
               <a:ext uri="{FF2B5EF4-FFF2-40B4-BE49-F238E27FC236}">
-                <a16:creationId xmlns:a16="http://schemas.microsoft.com/office/drawing/2014/main" id="{21D06E53-E925-0253-28A7-A150A048D97D}"/>
+                <a16:creationId xmlns:a16="http://schemas.microsoft.com/office/drawing/2014/main" id="{429F52FC-B809-1108-17B2-27FE734D0E89}"/>
               </a:ext>
             </a:extLst>
           </p:cNvPr>
@@ -3434,8 +3436,8 @@
         </p:blipFill>
         <p:spPr>
           <a:xfrm>
-            <a:off x="8161381" y="0"/>
-            <a:ext cx="4088676" cy="11522631"/>
+            <a:off x="12038233" y="1203346"/>
+            <a:ext cx="5243979" cy="3138587"/>
           </a:xfrm>
           <a:prstGeom prst="rect">
             <a:avLst/>
@@ -3444,10 +3446,10 @@
       </p:pic>
       <p:pic>
         <p:nvPicPr>
-          <p:cNvPr id="3" name="图片 2">
+          <p:cNvPr id="10" name="图片 9">
             <a:extLst>
               <a:ext uri="{FF2B5EF4-FFF2-40B4-BE49-F238E27FC236}">
-                <a16:creationId xmlns:a16="http://schemas.microsoft.com/office/drawing/2014/main" id="{76B1FFD7-65CB-7EF1-403E-8D17E9A9E0CC}"/>
+                <a16:creationId xmlns:a16="http://schemas.microsoft.com/office/drawing/2014/main" id="{DB1307E7-2BF1-626E-8AF6-5BBAC91DA398}"/>
               </a:ext>
             </a:extLst>
           </p:cNvPr>
@@ -3464,32 +3466,92 @@
         </p:blipFill>
         <p:spPr>
           <a:xfrm>
-            <a:off x="0" y="1"/>
-            <a:ext cx="8173872" cy="11535295"/>
+            <a:off x="7984757" y="5941"/>
+            <a:ext cx="4053474" cy="10799763"/>
           </a:xfrm>
           <a:prstGeom prst="rect">
             <a:avLst/>
           </a:prstGeom>
         </p:spPr>
       </p:pic>
-      <p:sp>
-        <p:nvSpPr>
-          <p:cNvPr id="18" name="Oval 19">
+      <p:pic>
+        <p:nvPicPr>
+          <p:cNvPr id="12" name="图片 11">
             <a:extLst>
               <a:ext uri="{FF2B5EF4-FFF2-40B4-BE49-F238E27FC236}">
-                <a16:creationId xmlns:a16="http://schemas.microsoft.com/office/drawing/2014/main" id="{6ADA430A-D79D-68E1-891F-738B9C0A955F}"/>
+                <a16:creationId xmlns:a16="http://schemas.microsoft.com/office/drawing/2014/main" id="{498134DD-CA64-082E-F628-5F1308E4CC2F}"/>
               </a:ext>
             </a:extLst>
           </p:cNvPr>
-          <p:cNvSpPr>
-            <a:spLocks noChangeAspect="1"/>
-          </p:cNvSpPr>
+          <p:cNvPicPr>
+            <a:picLocks noChangeAspect="1"/>
+          </p:cNvPicPr>
           <p:nvPr/>
-        </p:nvSpPr>
+        </p:nvPicPr>
+        <p:blipFill>
+          <a:blip r:embed="rId5"/>
+          <a:stretch>
+            <a:fillRect/>
+          </a:stretch>
+        </p:blipFill>
         <p:spPr>
           <a:xfrm>
-            <a:off x="7366237" y="6798123"/>
-            <a:ext cx="755938" cy="755938"/>
+            <a:off x="3986261" y="5941"/>
+            <a:ext cx="4039226" cy="10799763"/>
+          </a:xfrm>
+          <a:prstGeom prst="rect">
+            <a:avLst/>
+          </a:prstGeom>
+        </p:spPr>
+      </p:pic>
+      <p:pic>
+        <p:nvPicPr>
+          <p:cNvPr id="3" name="图片 2">
+            <a:extLst>
+              <a:ext uri="{FF2B5EF4-FFF2-40B4-BE49-F238E27FC236}">
+                <a16:creationId xmlns:a16="http://schemas.microsoft.com/office/drawing/2014/main" id="{50A8AC85-4E6C-6C82-A6DE-F90C496686B9}"/>
+              </a:ext>
+            </a:extLst>
+          </p:cNvPr>
+          <p:cNvPicPr>
+            <a:picLocks noChangeAspect="1"/>
+          </p:cNvPicPr>
+          <p:nvPr/>
+        </p:nvPicPr>
+        <p:blipFill>
+          <a:blip r:embed="rId6"/>
+          <a:stretch>
+            <a:fillRect/>
+          </a:stretch>
+        </p:blipFill>
+        <p:spPr>
+          <a:xfrm>
+            <a:off x="0" y="0"/>
+            <a:ext cx="4039226" cy="10799763"/>
+          </a:xfrm>
+          <a:prstGeom prst="rect">
+            <a:avLst/>
+          </a:prstGeom>
+        </p:spPr>
+      </p:pic>
+      <p:sp>
+        <p:nvSpPr>
+          <p:cNvPr id="7" name="Oval 19">
+            <a:extLst>
+              <a:ext uri="{FF2B5EF4-FFF2-40B4-BE49-F238E27FC236}">
+                <a16:creationId xmlns:a16="http://schemas.microsoft.com/office/drawing/2014/main" id="{C0309A75-AC89-7519-6523-08C70D52654C}"/>
+              </a:ext>
+            </a:extLst>
+          </p:cNvPr>
+          <p:cNvSpPr>
+            <a:spLocks noChangeAspect="1"/>
+          </p:cNvSpPr>
+          <p:nvPr/>
+        </p:nvSpPr>
+        <p:spPr>
+          <a:xfrm>
+            <a:off x="10989957" y="4175421"/>
+            <a:ext cx="708646" cy="708646"/>
           </a:xfrm>
           <a:prstGeom prst="ellipse">
             <a:avLst/>
@@ -3518,7 +3580,7 @@
           </a:fontRef>
         </p:style>
         <p:txBody>
-          <a:bodyPr tIns="151187" bIns="226783" rtlCol="0" anchor="ctr"/>
+          <a:bodyPr tIns="141729" bIns="212595" rtlCol="0" anchor="ctr"/>
           <a:lstStyle/>
           <a:p>
             <a:pPr algn="ctr"/>
@@ -3527,7 +3589,7 @@
                 <a:latin typeface="Arial" panose="020B0604020202020204" pitchFamily="34" charset="0"/>
                 <a:cs typeface="Arial" panose="020B0604020202020204" pitchFamily="34" charset="0"/>
               </a:rPr>
-              <a:t>a</a:t>
+              <a:t>c</a:t>
             </a:r>
             <a:endParaRPr lang="en-SE" sz="4000" dirty="0">
               <a:latin typeface="Arial" panose="020B0604020202020204" pitchFamily="34" charset="0"/>
@@ -3536,24 +3598,84 @@
           </a:p>
         </p:txBody>
       </p:sp>
-      <p:sp>
-        <p:nvSpPr>
-          <p:cNvPr id="11" name="Oval 19">
+      <p:pic>
+        <p:nvPicPr>
+          <p:cNvPr id="19" name="图片 18">
             <a:extLst>
               <a:ext uri="{FF2B5EF4-FFF2-40B4-BE49-F238E27FC236}">
-                <a16:creationId xmlns:a16="http://schemas.microsoft.com/office/drawing/2014/main" id="{63BBC4AA-380A-83CD-B4ED-9ECC22C635A7}"/>
+                <a16:creationId xmlns:a16="http://schemas.microsoft.com/office/drawing/2014/main" id="{5D6BDB1B-4293-F53D-1C28-034930C3317C}"/>
               </a:ext>
             </a:extLst>
           </p:cNvPr>
-          <p:cNvSpPr>
-            <a:spLocks noChangeAspect="1"/>
-          </p:cNvSpPr>
+          <p:cNvPicPr>
+            <a:picLocks noChangeAspect="1"/>
+          </p:cNvPicPr>
           <p:nvPr/>
-        </p:nvSpPr>
+        </p:nvPicPr>
+        <p:blipFill>
+          <a:blip r:embed="rId7"/>
+          <a:stretch>
+            <a:fillRect/>
+          </a:stretch>
+        </p:blipFill>
         <p:spPr>
           <a:xfrm>
-            <a:off x="10231376" y="1597226"/>
-            <a:ext cx="755938" cy="755938"/>
+            <a:off x="12060092" y="6944129"/>
+            <a:ext cx="5173114" cy="815762"/>
+          </a:xfrm>
+          <a:prstGeom prst="rect">
+            <a:avLst/>
+          </a:prstGeom>
+        </p:spPr>
+      </p:pic>
+      <p:pic>
+        <p:nvPicPr>
+          <p:cNvPr id="21" name="图片 20">
+            <a:extLst>
+              <a:ext uri="{FF2B5EF4-FFF2-40B4-BE49-F238E27FC236}">
+                <a16:creationId xmlns:a16="http://schemas.microsoft.com/office/drawing/2014/main" id="{E3B24DD0-0F23-1C5D-58C1-9A7FD768849F}"/>
+              </a:ext>
+            </a:extLst>
+          </p:cNvPr>
+          <p:cNvPicPr>
+            <a:picLocks noChangeAspect="1"/>
+          </p:cNvPicPr>
+          <p:nvPr/>
+        </p:nvPicPr>
+        <p:blipFill>
+          <a:blip r:embed="rId8"/>
+          <a:stretch>
+            <a:fillRect/>
+          </a:stretch>
+        </p:blipFill>
+        <p:spPr>
+          <a:xfrm>
+            <a:off x="12047176" y="4520227"/>
+            <a:ext cx="5208547" cy="2184230"/>
+          </a:xfrm>
+          <a:prstGeom prst="rect">
+            <a:avLst/>
+          </a:prstGeom>
+        </p:spPr>
+      </p:pic>
+      <p:sp>
+        <p:nvSpPr>
+          <p:cNvPr id="22" name="Oval 19">
+            <a:extLst>
+              <a:ext uri="{FF2B5EF4-FFF2-40B4-BE49-F238E27FC236}">
+                <a16:creationId xmlns:a16="http://schemas.microsoft.com/office/drawing/2014/main" id="{A4F8D110-588F-8595-8135-6D0FF1F5D643}"/>
+              </a:ext>
+            </a:extLst>
+          </p:cNvPr>
+          <p:cNvSpPr>
+            <a:spLocks noChangeAspect="1"/>
+          </p:cNvSpPr>
+          <p:nvPr/>
+        </p:nvSpPr>
+        <p:spPr>
+          <a:xfrm>
+            <a:off x="16191045" y="2145338"/>
+            <a:ext cx="708646" cy="708646"/>
           </a:xfrm>
           <a:prstGeom prst="ellipse">
             <a:avLst/>
@@ -3582,7 +3704,7 @@
           </a:fontRef>
         </p:style>
         <p:txBody>
-          <a:bodyPr tIns="151187" bIns="226783" rtlCol="0" anchor="ctr"/>
+          <a:bodyPr tIns="141729" bIns="212595" rtlCol="0" anchor="ctr"/>
           <a:lstStyle/>
           <a:p>
             <a:pPr algn="ctr"/>
@@ -3591,7 +3713,7 @@
                 <a:latin typeface="Arial" panose="020B0604020202020204" pitchFamily="34" charset="0"/>
                 <a:cs typeface="Arial" panose="020B0604020202020204" pitchFamily="34" charset="0"/>
               </a:rPr>
-              <a:t>b</a:t>
+              <a:t>d</a:t>
             </a:r>
             <a:endParaRPr lang="en-SE" sz="4000" dirty="0">
               <a:latin typeface="Arial" panose="020B0604020202020204" pitchFamily="34" charset="0"/>
@@ -3602,10 +3724,138 @@
       </p:sp>
       <p:sp>
         <p:nvSpPr>
-          <p:cNvPr id="21" name="Rectangle 22">
+          <p:cNvPr id="23" name="Oval 19">
             <a:extLst>
               <a:ext uri="{FF2B5EF4-FFF2-40B4-BE49-F238E27FC236}">
-                <a16:creationId xmlns:a16="http://schemas.microsoft.com/office/drawing/2014/main" id="{A2E33402-E8D2-A768-BFF5-84568F1F3DC5}"/>
+                <a16:creationId xmlns:a16="http://schemas.microsoft.com/office/drawing/2014/main" id="{0432CF24-4C54-59E2-1F4B-417F56B8D638}"/>
+              </a:ext>
+            </a:extLst>
+          </p:cNvPr>
+          <p:cNvSpPr>
+            <a:spLocks noChangeAspect="1"/>
+          </p:cNvSpPr>
+          <p:nvPr/>
+        </p:nvSpPr>
+        <p:spPr>
+          <a:xfrm>
+            <a:off x="16191045" y="4938195"/>
+            <a:ext cx="708646" cy="708646"/>
+          </a:xfrm>
+          <a:prstGeom prst="ellipse">
+            <a:avLst/>
+          </a:prstGeom>
+          <a:solidFill>
+            <a:srgbClr val="F79647"/>
+          </a:solidFill>
+          <a:ln>
+            <a:noFill/>
+          </a:ln>
+        </p:spPr>
+        <p:style>
+          <a:lnRef idx="2">
+            <a:schemeClr val="accent1">
+              <a:shade val="15000"/>
+            </a:schemeClr>
+          </a:lnRef>
+          <a:fillRef idx="1">
+            <a:schemeClr val="accent1"/>
+          </a:fillRef>
+          <a:effectRef idx="0">
+            <a:schemeClr val="accent1"/>
+          </a:effectRef>
+          <a:fontRef idx="minor">
+            <a:schemeClr val="lt1"/>
+          </a:fontRef>
+        </p:style>
+        <p:txBody>
+          <a:bodyPr tIns="141729" bIns="212595" rtlCol="0" anchor="ctr"/>
+          <a:lstStyle/>
+          <a:p>
+            <a:pPr algn="ctr"/>
+            <a:r>
+              <a:rPr lang="en-GB" sz="4000" dirty="0">
+                <a:latin typeface="Arial" panose="020B0604020202020204" pitchFamily="34" charset="0"/>
+                <a:cs typeface="Arial" panose="020B0604020202020204" pitchFamily="34" charset="0"/>
+              </a:rPr>
+              <a:t>e</a:t>
+            </a:r>
+            <a:endParaRPr lang="en-SE" sz="4000" dirty="0">
+              <a:latin typeface="Arial" panose="020B0604020202020204" pitchFamily="34" charset="0"/>
+              <a:cs typeface="Arial" panose="020B0604020202020204" pitchFamily="34" charset="0"/>
+            </a:endParaRPr>
+          </a:p>
+        </p:txBody>
+      </p:sp>
+      <p:sp>
+        <p:nvSpPr>
+          <p:cNvPr id="24" name="Oval 19">
+            <a:extLst>
+              <a:ext uri="{FF2B5EF4-FFF2-40B4-BE49-F238E27FC236}">
+                <a16:creationId xmlns:a16="http://schemas.microsoft.com/office/drawing/2014/main" id="{BE19FEE8-5817-422F-E924-94D2730C9223}"/>
+              </a:ext>
+            </a:extLst>
+          </p:cNvPr>
+          <p:cNvSpPr>
+            <a:spLocks noChangeAspect="1"/>
+          </p:cNvSpPr>
+          <p:nvPr/>
+        </p:nvSpPr>
+        <p:spPr>
+          <a:xfrm>
+            <a:off x="16191045" y="6997687"/>
+            <a:ext cx="708646" cy="708646"/>
+          </a:xfrm>
+          <a:prstGeom prst="ellipse">
+            <a:avLst/>
+          </a:prstGeom>
+          <a:solidFill>
+            <a:srgbClr val="F79647"/>
+          </a:solidFill>
+          <a:ln>
+            <a:noFill/>
+          </a:ln>
+        </p:spPr>
+        <p:style>
+          <a:lnRef idx="2">
+            <a:schemeClr val="accent1">
+              <a:shade val="15000"/>
+            </a:schemeClr>
+          </a:lnRef>
+          <a:fillRef idx="1">
+            <a:schemeClr val="accent1"/>
+          </a:fillRef>
+          <a:effectRef idx="0">
+            <a:schemeClr val="accent1"/>
+          </a:effectRef>
+          <a:fontRef idx="minor">
+            <a:schemeClr val="lt1"/>
+          </a:fontRef>
+        </p:style>
+        <p:txBody>
+          <a:bodyPr tIns="141729" bIns="212595" rtlCol="0" anchor="ctr"/>
+          <a:lstStyle/>
+          <a:p>
+            <a:pPr algn="ctr"/>
+            <a:r>
+              <a:rPr lang="en-GB" sz="4000" dirty="0">
+                <a:latin typeface="Arial" panose="020B0604020202020204" pitchFamily="34" charset="0"/>
+                <a:cs typeface="Arial" panose="020B0604020202020204" pitchFamily="34" charset="0"/>
+              </a:rPr>
+              <a:t>f</a:t>
+            </a:r>
+            <a:endParaRPr lang="en-SE" sz="4000" dirty="0">
+              <a:latin typeface="Arial" panose="020B0604020202020204" pitchFamily="34" charset="0"/>
+              <a:cs typeface="Arial" panose="020B0604020202020204" pitchFamily="34" charset="0"/>
+            </a:endParaRPr>
+          </a:p>
+        </p:txBody>
+      </p:sp>
+      <p:sp>
+        <p:nvSpPr>
+          <p:cNvPr id="29" name="Rectangle 22">
+            <a:extLst>
+              <a:ext uri="{FF2B5EF4-FFF2-40B4-BE49-F238E27FC236}">
+                <a16:creationId xmlns:a16="http://schemas.microsoft.com/office/drawing/2014/main" id="{635751CD-F8D0-ADEA-D6E9-8F0974756326}"/>
               </a:ext>
             </a:extLst>
           </p:cNvPr>
@@ -3614,8 +3864,8 @@
         </p:nvSpPr>
         <p:spPr>
           <a:xfrm>
-            <a:off x="5168800" y="6686661"/>
-            <a:ext cx="2992581" cy="4833826"/>
+            <a:off x="85515" y="5592712"/>
+            <a:ext cx="3221081" cy="708646"/>
           </a:xfrm>
           <a:prstGeom prst="rect">
             <a:avLst/>
@@ -3649,16 +3899,16 @@
           <a:lstStyle/>
           <a:p>
             <a:pPr algn="ctr"/>
-            <a:endParaRPr lang="en-SE" sz="7631"/>
-          </a:p>
-        </p:txBody>
-      </p:sp>
-      <p:sp>
-        <p:nvSpPr>
-          <p:cNvPr id="33" name="Rectangle 22">
+            <a:endParaRPr lang="en-SE" sz="7154"/>
+          </a:p>
+        </p:txBody>
+      </p:sp>
+      <p:sp>
+        <p:nvSpPr>
+          <p:cNvPr id="30" name="Rectangle 22">
             <a:extLst>
               <a:ext uri="{FF2B5EF4-FFF2-40B4-BE49-F238E27FC236}">
-                <a16:creationId xmlns:a16="http://schemas.microsoft.com/office/drawing/2014/main" id="{7E410378-1067-76E3-59F6-59A9D0F93801}"/>
+                <a16:creationId xmlns:a16="http://schemas.microsoft.com/office/drawing/2014/main" id="{00BE0E98-B0D6-260D-CD65-54BD854BDFA3}"/>
               </a:ext>
             </a:extLst>
           </p:cNvPr>
@@ -3667,8 +3917,8 @@
         </p:nvSpPr>
         <p:spPr>
           <a:xfrm>
-            <a:off x="8213078" y="2365829"/>
-            <a:ext cx="2774236" cy="2278742"/>
+            <a:off x="4078872" y="5592715"/>
+            <a:ext cx="3226628" cy="770231"/>
           </a:xfrm>
           <a:prstGeom prst="rect">
             <a:avLst/>
@@ -3702,58 +3952,28 @@
           <a:lstStyle/>
           <a:p>
             <a:pPr algn="ctr"/>
-            <a:endParaRPr lang="en-SE" sz="7631"/>
-          </a:p>
-        </p:txBody>
-      </p:sp>
-      <p:pic>
-        <p:nvPicPr>
-          <p:cNvPr id="7" name="图片 6">
+            <a:endParaRPr lang="en-SE" sz="7154"/>
+          </a:p>
+        </p:txBody>
+      </p:sp>
+      <p:sp>
+        <p:nvSpPr>
+          <p:cNvPr id="8" name="Oval 19">
             <a:extLst>
               <a:ext uri="{FF2B5EF4-FFF2-40B4-BE49-F238E27FC236}">
-                <a16:creationId xmlns:a16="http://schemas.microsoft.com/office/drawing/2014/main" id="{9F250442-D0EB-8395-8493-0FF52AB6BFF5}"/>
+                <a16:creationId xmlns:a16="http://schemas.microsoft.com/office/drawing/2014/main" id="{49BD15E2-0B01-1BBB-3BE0-2B05ABEA1433}"/>
               </a:ext>
             </a:extLst>
           </p:cNvPr>
-          <p:cNvPicPr>
-            <a:picLocks noChangeAspect="1"/>
-          </p:cNvPicPr>
+          <p:cNvSpPr>
+            <a:spLocks noChangeAspect="1"/>
+          </p:cNvSpPr>
           <p:nvPr/>
-        </p:nvPicPr>
-        <p:blipFill>
-          <a:blip r:embed="rId5"/>
-          <a:stretch>
-            <a:fillRect/>
-          </a:stretch>
-        </p:blipFill>
+        </p:nvSpPr>
         <p:spPr>
           <a:xfrm>
-            <a:off x="8213078" y="7554061"/>
-            <a:ext cx="2971157" cy="3809468"/>
-          </a:xfrm>
-          <a:prstGeom prst="rect">
-            <a:avLst/>
-          </a:prstGeom>
-        </p:spPr>
-      </p:pic>
-      <p:sp>
-        <p:nvSpPr>
-          <p:cNvPr id="2" name="Oval 19">
-            <a:extLst>
-              <a:ext uri="{FF2B5EF4-FFF2-40B4-BE49-F238E27FC236}">
-                <a16:creationId xmlns:a16="http://schemas.microsoft.com/office/drawing/2014/main" id="{37EF5010-0726-AAF4-C587-41135914D95B}"/>
-              </a:ext>
-            </a:extLst>
-          </p:cNvPr>
-          <p:cNvSpPr>
-            <a:spLocks noChangeAspect="1"/>
-          </p:cNvSpPr>
-          <p:nvPr/>
-        </p:nvSpPr>
-        <p:spPr>
-          <a:xfrm>
-            <a:off x="11184235" y="2795773"/>
-            <a:ext cx="755938" cy="755938"/>
+            <a:off x="6910446" y="5177100"/>
+            <a:ext cx="708646" cy="708646"/>
           </a:xfrm>
           <a:prstGeom prst="ellipse">
             <a:avLst/>
@@ -3782,7 +4002,7 @@
           </a:fontRef>
         </p:style>
         <p:txBody>
-          <a:bodyPr tIns="151187" bIns="226783" rtlCol="0" anchor="ctr"/>
+          <a:bodyPr tIns="141729" bIns="212595" rtlCol="0" anchor="ctr"/>
           <a:lstStyle/>
           <a:p>
             <a:pPr algn="ctr"/>
@@ -3791,7 +4011,7 @@
                 <a:latin typeface="Arial" panose="020B0604020202020204" pitchFamily="34" charset="0"/>
                 <a:cs typeface="Arial" panose="020B0604020202020204" pitchFamily="34" charset="0"/>
               </a:rPr>
-              <a:t>c</a:t>
+              <a:t>b</a:t>
             </a:r>
             <a:endParaRPr lang="en-SE" sz="4000" dirty="0">
               <a:latin typeface="Arial" panose="020B0604020202020204" pitchFamily="34" charset="0"/>
@@ -3802,10 +4022,74 @@
       </p:sp>
       <p:sp>
         <p:nvSpPr>
-          <p:cNvPr id="4" name="Rectangle 22">
+          <p:cNvPr id="6" name="Oval 19">
             <a:extLst>
               <a:ext uri="{FF2B5EF4-FFF2-40B4-BE49-F238E27FC236}">
-                <a16:creationId xmlns:a16="http://schemas.microsoft.com/office/drawing/2014/main" id="{1F66EBE8-0CA8-99EA-3EA5-8AECB10F1AEB}"/>
+                <a16:creationId xmlns:a16="http://schemas.microsoft.com/office/drawing/2014/main" id="{07DE66C5-A761-67E9-A099-71C9FB0DF8D2}"/>
+              </a:ext>
+            </a:extLst>
+          </p:cNvPr>
+          <p:cNvSpPr>
+            <a:spLocks noChangeAspect="1"/>
+          </p:cNvSpPr>
+          <p:nvPr/>
+        </p:nvSpPr>
+        <p:spPr>
+          <a:xfrm>
+            <a:off x="2903470" y="5177100"/>
+            <a:ext cx="708646" cy="708646"/>
+          </a:xfrm>
+          <a:prstGeom prst="ellipse">
+            <a:avLst/>
+          </a:prstGeom>
+          <a:solidFill>
+            <a:srgbClr val="F79647"/>
+          </a:solidFill>
+          <a:ln>
+            <a:noFill/>
+          </a:ln>
+        </p:spPr>
+        <p:style>
+          <a:lnRef idx="2">
+            <a:schemeClr val="accent1">
+              <a:shade val="15000"/>
+            </a:schemeClr>
+          </a:lnRef>
+          <a:fillRef idx="1">
+            <a:schemeClr val="accent1"/>
+          </a:fillRef>
+          <a:effectRef idx="0">
+            <a:schemeClr val="accent1"/>
+          </a:effectRef>
+          <a:fontRef idx="minor">
+            <a:schemeClr val="lt1"/>
+          </a:fontRef>
+        </p:style>
+        <p:txBody>
+          <a:bodyPr tIns="141729" bIns="212595" rtlCol="0" anchor="ctr"/>
+          <a:lstStyle/>
+          <a:p>
+            <a:pPr algn="ctr"/>
+            <a:r>
+              <a:rPr lang="en-GB" sz="4000" dirty="0">
+                <a:latin typeface="Arial" panose="020B0604020202020204" pitchFamily="34" charset="0"/>
+                <a:cs typeface="Arial" panose="020B0604020202020204" pitchFamily="34" charset="0"/>
+              </a:rPr>
+              <a:t>a</a:t>
+            </a:r>
+            <a:endParaRPr lang="en-SE" sz="4000" dirty="0">
+              <a:latin typeface="Arial" panose="020B0604020202020204" pitchFamily="34" charset="0"/>
+              <a:cs typeface="Arial" panose="020B0604020202020204" pitchFamily="34" charset="0"/>
+            </a:endParaRPr>
+          </a:p>
+        </p:txBody>
+      </p:sp>
+      <p:sp>
+        <p:nvSpPr>
+          <p:cNvPr id="31" name="Rectangle 22">
+            <a:extLst>
+              <a:ext uri="{FF2B5EF4-FFF2-40B4-BE49-F238E27FC236}">
+                <a16:creationId xmlns:a16="http://schemas.microsoft.com/office/drawing/2014/main" id="{83E15E3C-9C67-A846-6AD5-DF96824616B2}"/>
               </a:ext>
             </a:extLst>
           </p:cNvPr>
@@ -3814,8 +4098,8 @@
         </p:nvSpPr>
         <p:spPr>
           <a:xfrm>
-            <a:off x="11364685" y="3710813"/>
-            <a:ext cx="329149" cy="424144"/>
+            <a:off x="8021194" y="3662803"/>
+            <a:ext cx="3871403" cy="1985868"/>
           </a:xfrm>
           <a:prstGeom prst="rect">
             <a:avLst/>
@@ -3849,80 +4133,16 @@
           <a:lstStyle/>
           <a:p>
             <a:pPr algn="ctr"/>
-            <a:endParaRPr lang="en-SE" sz="7631"/>
-          </a:p>
-        </p:txBody>
-      </p:sp>
-      <p:sp>
-        <p:nvSpPr>
-          <p:cNvPr id="6" name="Oval 19">
+            <a:endParaRPr lang="en-SE" sz="7154"/>
+          </a:p>
+        </p:txBody>
+      </p:sp>
+      <p:sp>
+        <p:nvSpPr>
+          <p:cNvPr id="32" name="Rectangle 22">
             <a:extLst>
               <a:ext uri="{FF2B5EF4-FFF2-40B4-BE49-F238E27FC236}">
-                <a16:creationId xmlns:a16="http://schemas.microsoft.com/office/drawing/2014/main" id="{06BE9DCC-EA19-5063-99F2-C274A58B04E4}"/>
-              </a:ext>
-            </a:extLst>
-          </p:cNvPr>
-          <p:cNvSpPr>
-            <a:spLocks noChangeAspect="1"/>
-          </p:cNvSpPr>
-          <p:nvPr/>
-        </p:nvSpPr>
-        <p:spPr>
-          <a:xfrm>
-            <a:off x="11315865" y="7695966"/>
-            <a:ext cx="755938" cy="755938"/>
-          </a:xfrm>
-          <a:prstGeom prst="ellipse">
-            <a:avLst/>
-          </a:prstGeom>
-          <a:solidFill>
-            <a:srgbClr val="F79647"/>
-          </a:solidFill>
-          <a:ln>
-            <a:noFill/>
-          </a:ln>
-        </p:spPr>
-        <p:style>
-          <a:lnRef idx="2">
-            <a:schemeClr val="accent1">
-              <a:shade val="15000"/>
-            </a:schemeClr>
-          </a:lnRef>
-          <a:fillRef idx="1">
-            <a:schemeClr val="accent1"/>
-          </a:fillRef>
-          <a:effectRef idx="0">
-            <a:schemeClr val="accent1"/>
-          </a:effectRef>
-          <a:fontRef idx="minor">
-            <a:schemeClr val="lt1"/>
-          </a:fontRef>
-        </p:style>
-        <p:txBody>
-          <a:bodyPr tIns="151187" bIns="226783" rtlCol="0" anchor="ctr"/>
-          <a:lstStyle/>
-          <a:p>
-            <a:pPr algn="ctr"/>
-            <a:r>
-              <a:rPr lang="en-GB" sz="4000" dirty="0">
-                <a:latin typeface="Arial" panose="020B0604020202020204" pitchFamily="34" charset="0"/>
-                <a:cs typeface="Arial" panose="020B0604020202020204" pitchFamily="34" charset="0"/>
-              </a:rPr>
-              <a:t>d</a:t>
-            </a:r>
-            <a:endParaRPr lang="en-SE" sz="4000" dirty="0">
-              <a:latin typeface="Arial" panose="020B0604020202020204" pitchFamily="34" charset="0"/>
-              <a:cs typeface="Arial" panose="020B0604020202020204" pitchFamily="34" charset="0"/>
-            </a:endParaRPr>
-          </a:p>
-        </p:txBody>
-      </p:sp>
-      <p:sp>
-        <p:nvSpPr>
-          <p:cNvPr id="8" name="Rectangle 22">
-            <a:extLst>
-              <a:ext uri="{FF2B5EF4-FFF2-40B4-BE49-F238E27FC236}">
-                <a16:creationId xmlns:a16="http://schemas.microsoft.com/office/drawing/2014/main" id="{721A951A-36FE-1658-EC34-250A451A4755}"/>
+                <a16:creationId xmlns:a16="http://schemas.microsoft.com/office/drawing/2014/main" id="{548CB70F-3B5B-7BED-5679-FF7C6E1D70ED}"/>
               </a:ext>
             </a:extLst>
           </p:cNvPr>
@@ -3931,8 +4151,8 @@
         </p:nvSpPr>
         <p:spPr>
           <a:xfrm>
-            <a:off x="8213078" y="7554061"/>
-            <a:ext cx="3010363" cy="3863239"/>
+            <a:off x="12011749" y="1152404"/>
+            <a:ext cx="5243977" cy="3189530"/>
           </a:xfrm>
           <a:prstGeom prst="rect">
             <a:avLst/>
@@ -3966,14 +4186,120 @@
           <a:lstStyle/>
           <a:p>
             <a:pPr algn="ctr"/>
-            <a:endParaRPr lang="en-SE" sz="7631"/>
+            <a:endParaRPr lang="en-SE" sz="7154"/>
+          </a:p>
+        </p:txBody>
+      </p:sp>
+      <p:sp>
+        <p:nvSpPr>
+          <p:cNvPr id="33" name="Rectangle 22">
+            <a:extLst>
+              <a:ext uri="{FF2B5EF4-FFF2-40B4-BE49-F238E27FC236}">
+                <a16:creationId xmlns:a16="http://schemas.microsoft.com/office/drawing/2014/main" id="{FDC10E82-9264-B3F9-A62A-030216B27F4A}"/>
+              </a:ext>
+            </a:extLst>
+          </p:cNvPr>
+          <p:cNvSpPr/>
+          <p:nvPr/>
+        </p:nvSpPr>
+        <p:spPr>
+          <a:xfrm>
+            <a:off x="12011748" y="4428963"/>
+            <a:ext cx="5257223" cy="2366763"/>
+          </a:xfrm>
+          <a:prstGeom prst="rect">
+            <a:avLst/>
+          </a:prstGeom>
+          <a:noFill/>
+          <a:ln w="28575">
+            <a:solidFill>
+              <a:srgbClr val="F79647"/>
+            </a:solidFill>
+            <a:prstDash val="sysDot"/>
+          </a:ln>
+        </p:spPr>
+        <p:style>
+          <a:lnRef idx="2">
+            <a:schemeClr val="accent1">
+              <a:shade val="15000"/>
+            </a:schemeClr>
+          </a:lnRef>
+          <a:fillRef idx="1">
+            <a:schemeClr val="accent1"/>
+          </a:fillRef>
+          <a:effectRef idx="0">
+            <a:schemeClr val="accent1"/>
+          </a:effectRef>
+          <a:fontRef idx="minor">
+            <a:schemeClr val="lt1"/>
+          </a:fontRef>
+        </p:style>
+        <p:txBody>
+          <a:bodyPr rtlCol="0" anchor="ctr"/>
+          <a:lstStyle/>
+          <a:p>
+            <a:pPr algn="ctr"/>
+            <a:endParaRPr lang="en-SE" sz="7154"/>
+          </a:p>
+        </p:txBody>
+      </p:sp>
+      <p:sp>
+        <p:nvSpPr>
+          <p:cNvPr id="34" name="Rectangle 22">
+            <a:extLst>
+              <a:ext uri="{FF2B5EF4-FFF2-40B4-BE49-F238E27FC236}">
+                <a16:creationId xmlns:a16="http://schemas.microsoft.com/office/drawing/2014/main" id="{73F9E5B2-210F-EB99-058B-CD62FCD8790D}"/>
+              </a:ext>
+            </a:extLst>
+          </p:cNvPr>
+          <p:cNvSpPr/>
+          <p:nvPr/>
+        </p:nvSpPr>
+        <p:spPr>
+          <a:xfrm>
+            <a:off x="12011747" y="6882752"/>
+            <a:ext cx="5243977" cy="948320"/>
+          </a:xfrm>
+          <a:prstGeom prst="rect">
+            <a:avLst/>
+          </a:prstGeom>
+          <a:noFill/>
+          <a:ln w="28575">
+            <a:solidFill>
+              <a:srgbClr val="F79647"/>
+            </a:solidFill>
+            <a:prstDash val="sysDot"/>
+          </a:ln>
+        </p:spPr>
+        <p:style>
+          <a:lnRef idx="2">
+            <a:schemeClr val="accent1">
+              <a:shade val="15000"/>
+            </a:schemeClr>
+          </a:lnRef>
+          <a:fillRef idx="1">
+            <a:schemeClr val="accent1"/>
+          </a:fillRef>
+          <a:effectRef idx="0">
+            <a:schemeClr val="accent1"/>
+          </a:effectRef>
+          <a:fontRef idx="minor">
+            <a:schemeClr val="lt1"/>
+          </a:fontRef>
+        </p:style>
+        <p:txBody>
+          <a:bodyPr rtlCol="0" anchor="ctr"/>
+          <a:lstStyle/>
+          <a:p>
+            <a:pPr algn="ctr"/>
+            <a:endParaRPr lang="en-SE" sz="7154"/>
           </a:p>
         </p:txBody>
       </p:sp>
     </p:spTree>
     <p:extLst>
       <p:ext uri="{BB962C8B-B14F-4D97-AF65-F5344CB8AC3E}">
-        <p14:creationId xmlns:p14="http://schemas.microsoft.com/office/powerpoint/2010/main" val="682575955"/>
+        <p14:creationId xmlns:p14="http://schemas.microsoft.com/office/powerpoint/2010/main" val="2246082988"/>
       </p:ext>
     </p:extLst>
   </p:cSld>
